--- a/chart/chart.pptx
+++ b/chart/chart.pptx
@@ -6,8 +6,14 @@
   </p:sldMasterIdLst>
   <p:sldIdLst>
     <p:sldId id="256" r:id="rId3"/>
+    <p:sldId id="257" r:id="rId4"/>
+    <p:sldId id="258" r:id="rId5"/>
+    <p:sldId id="259" r:id="rId6"/>
+    <p:sldId id="260" r:id="rId7"/>
+    <p:sldId id="262" r:id="rId8"/>
+    <p:sldId id="261" r:id="rId9"/>
   </p:sldIdLst>
-  <p:sldSz cx="12192000" cy="6858000"/>
+  <p:sldSz cx="7199630" cy="6839585"/>
   <p:notesSz cx="7103745" cy="10234295"/>
   <p:defaultTextStyle>
     <a:defPPr>
@@ -136,15 +142,15 @@
         </p:nvSpPr>
         <p:spPr>
           <a:xfrm>
-            <a:off x="1524000" y="1122363"/>
-            <a:ext cx="9144000" cy="2387600"/>
+            <a:off x="900093" y="1119554"/>
+            <a:ext cx="5400556" cy="2381625"/>
           </a:xfrm>
         </p:spPr>
         <p:txBody>
           <a:bodyPr anchor="b"/>
           <a:lstStyle>
             <a:lvl1pPr algn="ctr">
-              <a:defRPr sz="6000"/>
+              <a:defRPr sz="4725"/>
             </a:lvl1pPr>
           </a:lstStyle>
           <a:p>
@@ -168,8 +174,8 @@
         </p:nvSpPr>
         <p:spPr>
           <a:xfrm>
-            <a:off x="1524000" y="3602038"/>
-            <a:ext cx="9144000" cy="1655762"/>
+            <a:off x="900093" y="3593024"/>
+            <a:ext cx="5400556" cy="1651618"/>
           </a:xfrm>
         </p:spPr>
         <p:txBody>
@@ -177,39 +183,39 @@
           <a:lstStyle>
             <a:lvl1pPr marL="0" indent="0" algn="ctr">
               <a:buNone/>
-              <a:defRPr sz="2400"/>
+              <a:defRPr sz="1890"/>
             </a:lvl1pPr>
-            <a:lvl2pPr marL="457200" indent="0" algn="ctr">
-              <a:buNone/>
-              <a:defRPr sz="2000"/>
+            <a:lvl2pPr marL="360045" indent="0" algn="ctr">
+              <a:buNone/>
+              <a:defRPr sz="1575"/>
             </a:lvl2pPr>
-            <a:lvl3pPr marL="914400" indent="0" algn="ctr">
-              <a:buNone/>
-              <a:defRPr sz="1800"/>
+            <a:lvl3pPr marL="720090" indent="0" algn="ctr">
+              <a:buNone/>
+              <a:defRPr sz="1415"/>
             </a:lvl3pPr>
-            <a:lvl4pPr marL="1371600" indent="0" algn="ctr">
-              <a:buNone/>
-              <a:defRPr sz="1600"/>
+            <a:lvl4pPr marL="1080135" indent="0" algn="ctr">
+              <a:buNone/>
+              <a:defRPr sz="1260"/>
             </a:lvl4pPr>
-            <a:lvl5pPr marL="1828800" indent="0" algn="ctr">
-              <a:buNone/>
-              <a:defRPr sz="1600"/>
+            <a:lvl5pPr marL="1440180" indent="0" algn="ctr">
+              <a:buNone/>
+              <a:defRPr sz="1260"/>
             </a:lvl5pPr>
-            <a:lvl6pPr marL="2286000" indent="0" algn="ctr">
-              <a:buNone/>
-              <a:defRPr sz="1600"/>
+            <a:lvl6pPr marL="1800225" indent="0" algn="ctr">
+              <a:buNone/>
+              <a:defRPr sz="1260"/>
             </a:lvl6pPr>
-            <a:lvl7pPr marL="2743200" indent="0" algn="ctr">
-              <a:buNone/>
-              <a:defRPr sz="1600"/>
+            <a:lvl7pPr marL="2160270" indent="0" algn="ctr">
+              <a:buNone/>
+              <a:defRPr sz="1260"/>
             </a:lvl7pPr>
-            <a:lvl8pPr marL="3200400" indent="0" algn="ctr">
-              <a:buNone/>
-              <a:defRPr sz="1600"/>
+            <a:lvl8pPr marL="2520315" indent="0" algn="ctr">
+              <a:buNone/>
+              <a:defRPr sz="1260"/>
             </a:lvl8pPr>
-            <a:lvl9pPr marL="3657600" indent="0" algn="ctr">
-              <a:buNone/>
-              <a:defRPr sz="1600"/>
+            <a:lvl9pPr marL="2879725" indent="0" algn="ctr">
+              <a:buNone/>
+              <a:defRPr sz="1260"/>
             </a:lvl9pPr>
           </a:lstStyle>
           <a:p>
@@ -321,8 +327,8 @@
         </p:nvSpPr>
         <p:spPr>
           <a:xfrm>
-            <a:off x="838200" y="365125"/>
-            <a:ext cx="10515600" cy="5811838"/>
+            <a:off x="495051" y="364211"/>
+            <a:ext cx="6210639" cy="5797294"/>
           </a:xfrm>
         </p:spPr>
         <p:txBody>
@@ -637,15 +643,15 @@
         </p:nvSpPr>
         <p:spPr>
           <a:xfrm>
-            <a:off x="831850" y="1709738"/>
-            <a:ext cx="10515600" cy="2852737"/>
+            <a:off x="491301" y="1705459"/>
+            <a:ext cx="6210639" cy="2845598"/>
           </a:xfrm>
         </p:spPr>
         <p:txBody>
           <a:bodyPr anchor="b"/>
           <a:lstStyle>
             <a:lvl1pPr>
-              <a:defRPr sz="6000"/>
+              <a:defRPr sz="4725"/>
             </a:lvl1pPr>
           </a:lstStyle>
           <a:p>
@@ -669,8 +675,8 @@
         </p:nvSpPr>
         <p:spPr>
           <a:xfrm>
-            <a:off x="831850" y="4589463"/>
-            <a:ext cx="10515600" cy="1500187"/>
+            <a:off x="491301" y="4577978"/>
+            <a:ext cx="6210639" cy="1496433"/>
           </a:xfrm>
         </p:spPr>
         <p:txBody>
@@ -678,7 +684,7 @@
           <a:lstStyle>
             <a:lvl1pPr marL="0" indent="0">
               <a:buNone/>
-              <a:defRPr sz="2400">
+              <a:defRPr sz="1890">
                 <a:solidFill>
                   <a:schemeClr val="tx1">
                     <a:tint val="75000"/>
@@ -686,9 +692,9 @@
                 </a:solidFill>
               </a:defRPr>
             </a:lvl1pPr>
-            <a:lvl2pPr marL="457200" indent="0">
-              <a:buNone/>
-              <a:defRPr sz="2000">
+            <a:lvl2pPr marL="360045" indent="0">
+              <a:buNone/>
+              <a:defRPr sz="1575">
                 <a:solidFill>
                   <a:schemeClr val="tx1">
                     <a:tint val="75000"/>
@@ -696,9 +702,9 @@
                 </a:solidFill>
               </a:defRPr>
             </a:lvl2pPr>
-            <a:lvl3pPr marL="914400" indent="0">
-              <a:buNone/>
-              <a:defRPr sz="1800">
+            <a:lvl3pPr marL="720090" indent="0">
+              <a:buNone/>
+              <a:defRPr sz="1415">
                 <a:solidFill>
                   <a:schemeClr val="tx1">
                     <a:tint val="75000"/>
@@ -706,9 +712,9 @@
                 </a:solidFill>
               </a:defRPr>
             </a:lvl3pPr>
-            <a:lvl4pPr marL="1371600" indent="0">
-              <a:buNone/>
-              <a:defRPr sz="1600">
+            <a:lvl4pPr marL="1080135" indent="0">
+              <a:buNone/>
+              <a:defRPr sz="1260">
                 <a:solidFill>
                   <a:schemeClr val="tx1">
                     <a:tint val="75000"/>
@@ -716,9 +722,9 @@
                 </a:solidFill>
               </a:defRPr>
             </a:lvl4pPr>
-            <a:lvl5pPr marL="1828800" indent="0">
-              <a:buNone/>
-              <a:defRPr sz="1600">
+            <a:lvl5pPr marL="1440180" indent="0">
+              <a:buNone/>
+              <a:defRPr sz="1260">
                 <a:solidFill>
                   <a:schemeClr val="tx1">
                     <a:tint val="75000"/>
@@ -726,9 +732,9 @@
                 </a:solidFill>
               </a:defRPr>
             </a:lvl5pPr>
-            <a:lvl6pPr marL="2286000" indent="0">
-              <a:buNone/>
-              <a:defRPr sz="1600">
+            <a:lvl6pPr marL="1800225" indent="0">
+              <a:buNone/>
+              <a:defRPr sz="1260">
                 <a:solidFill>
                   <a:schemeClr val="tx1">
                     <a:tint val="75000"/>
@@ -736,9 +742,9 @@
                 </a:solidFill>
               </a:defRPr>
             </a:lvl6pPr>
-            <a:lvl7pPr marL="2743200" indent="0">
-              <a:buNone/>
-              <a:defRPr sz="1600">
+            <a:lvl7pPr marL="2160270" indent="0">
+              <a:buNone/>
+              <a:defRPr sz="1260">
                 <a:solidFill>
                   <a:schemeClr val="tx1">
                     <a:tint val="75000"/>
@@ -746,9 +752,9 @@
                 </a:solidFill>
               </a:defRPr>
             </a:lvl7pPr>
-            <a:lvl8pPr marL="3200400" indent="0">
-              <a:buNone/>
-              <a:defRPr sz="1600">
+            <a:lvl8pPr marL="2520315" indent="0">
+              <a:buNone/>
+              <a:defRPr sz="1260">
                 <a:solidFill>
                   <a:schemeClr val="tx1">
                     <a:tint val="75000"/>
@@ -756,9 +762,9 @@
                 </a:solidFill>
               </a:defRPr>
             </a:lvl8pPr>
-            <a:lvl9pPr marL="3657600" indent="0">
-              <a:buNone/>
-              <a:defRPr sz="1600">
+            <a:lvl9pPr marL="2879725" indent="0">
+              <a:buNone/>
+              <a:defRPr sz="1260">
                 <a:solidFill>
                   <a:schemeClr val="tx1">
                     <a:tint val="75000"/>
@@ -900,8 +906,8 @@
         </p:nvSpPr>
         <p:spPr>
           <a:xfrm>
-            <a:off x="838200" y="1825625"/>
-            <a:ext cx="5181600" cy="4351338"/>
+            <a:off x="495051" y="1821056"/>
+            <a:ext cx="3060315" cy="4340449"/>
           </a:xfrm>
         </p:spPr>
         <p:txBody>
@@ -961,8 +967,8 @@
         </p:nvSpPr>
         <p:spPr>
           <a:xfrm>
-            <a:off x="6172200" y="1825625"/>
-            <a:ext cx="5181600" cy="4351338"/>
+            <a:off x="3645375" y="1821056"/>
+            <a:ext cx="3060315" cy="4340449"/>
           </a:xfrm>
         </p:spPr>
         <p:txBody>
@@ -1110,8 +1116,8 @@
         </p:nvSpPr>
         <p:spPr>
           <a:xfrm>
-            <a:off x="839788" y="365125"/>
-            <a:ext cx="10515600" cy="1325563"/>
+            <a:off x="495989" y="364211"/>
+            <a:ext cx="6210639" cy="1322246"/>
           </a:xfrm>
         </p:spPr>
         <p:txBody>
@@ -1138,8 +1144,8 @@
         </p:nvSpPr>
         <p:spPr>
           <a:xfrm>
-            <a:off x="1186774" y="1778438"/>
-            <a:ext cx="4873574" cy="823912"/>
+            <a:off x="700923" y="1773987"/>
+            <a:ext cx="2878391" cy="821850"/>
           </a:xfrm>
         </p:spPr>
         <p:txBody>
@@ -1147,39 +1153,39 @@
           <a:lstStyle>
             <a:lvl1pPr marL="0" indent="0">
               <a:buNone/>
-              <a:defRPr sz="2800"/>
+              <a:defRPr sz="2205"/>
             </a:lvl1pPr>
-            <a:lvl2pPr marL="457200" indent="0">
-              <a:buNone/>
-              <a:defRPr sz="2400"/>
+            <a:lvl2pPr marL="360045" indent="0">
+              <a:buNone/>
+              <a:defRPr sz="1890"/>
             </a:lvl2pPr>
-            <a:lvl3pPr marL="914400" indent="0">
-              <a:buNone/>
-              <a:defRPr sz="2000"/>
+            <a:lvl3pPr marL="720090" indent="0">
+              <a:buNone/>
+              <a:defRPr sz="1575"/>
             </a:lvl3pPr>
-            <a:lvl4pPr marL="1371600" indent="0">
-              <a:buNone/>
-              <a:defRPr sz="1800"/>
+            <a:lvl4pPr marL="1080135" indent="0">
+              <a:buNone/>
+              <a:defRPr sz="1415"/>
             </a:lvl4pPr>
-            <a:lvl5pPr marL="1828800" indent="0">
-              <a:buNone/>
-              <a:defRPr sz="1800"/>
+            <a:lvl5pPr marL="1440180" indent="0">
+              <a:buNone/>
+              <a:defRPr sz="1415"/>
             </a:lvl5pPr>
-            <a:lvl6pPr marL="2286000" indent="0">
-              <a:buNone/>
-              <a:defRPr sz="1800"/>
+            <a:lvl6pPr marL="1800225" indent="0">
+              <a:buNone/>
+              <a:defRPr sz="1415"/>
             </a:lvl6pPr>
-            <a:lvl7pPr marL="2743200" indent="0">
-              <a:buNone/>
-              <a:defRPr sz="1800"/>
+            <a:lvl7pPr marL="2160270" indent="0">
+              <a:buNone/>
+              <a:defRPr sz="1415"/>
             </a:lvl7pPr>
-            <a:lvl8pPr marL="3200400" indent="0">
-              <a:buNone/>
-              <a:defRPr sz="1800"/>
+            <a:lvl8pPr marL="2520315" indent="0">
+              <a:buNone/>
+              <a:defRPr sz="1415"/>
             </a:lvl8pPr>
-            <a:lvl9pPr marL="3657600" indent="0">
-              <a:buNone/>
-              <a:defRPr sz="1800"/>
+            <a:lvl9pPr marL="2879725" indent="0">
+              <a:buNone/>
+              <a:defRPr sz="1415"/>
             </a:lvl9pPr>
           </a:lstStyle>
           <a:p>
@@ -1204,8 +1210,8 @@
         </p:nvSpPr>
         <p:spPr>
           <a:xfrm>
-            <a:off x="1186774" y="2665379"/>
-            <a:ext cx="4873574" cy="3524284"/>
+            <a:off x="700923" y="2658709"/>
+            <a:ext cx="2878391" cy="3515465"/>
           </a:xfrm>
         </p:spPr>
         <p:txBody>
@@ -1265,8 +1271,8 @@
         </p:nvSpPr>
         <p:spPr>
           <a:xfrm>
-            <a:off x="6256938" y="1778438"/>
-            <a:ext cx="4897576" cy="823912"/>
+            <a:off x="3695422" y="1773987"/>
+            <a:ext cx="2892567" cy="821850"/>
           </a:xfrm>
         </p:spPr>
         <p:txBody>
@@ -1274,39 +1280,39 @@
           <a:lstStyle>
             <a:lvl1pPr marL="0" indent="0">
               <a:buNone/>
-              <a:defRPr sz="2800"/>
+              <a:defRPr sz="2205"/>
             </a:lvl1pPr>
-            <a:lvl2pPr marL="457200" indent="0">
-              <a:buNone/>
-              <a:defRPr sz="2400"/>
+            <a:lvl2pPr marL="360045" indent="0">
+              <a:buNone/>
+              <a:defRPr sz="1890"/>
             </a:lvl2pPr>
-            <a:lvl3pPr marL="914400" indent="0">
-              <a:buNone/>
-              <a:defRPr sz="2000"/>
+            <a:lvl3pPr marL="720090" indent="0">
+              <a:buNone/>
+              <a:defRPr sz="1575"/>
             </a:lvl3pPr>
-            <a:lvl4pPr marL="1371600" indent="0">
-              <a:buNone/>
-              <a:defRPr sz="1800"/>
+            <a:lvl4pPr marL="1080135" indent="0">
+              <a:buNone/>
+              <a:defRPr sz="1415"/>
             </a:lvl4pPr>
-            <a:lvl5pPr marL="1828800" indent="0">
-              <a:buNone/>
-              <a:defRPr sz="1800"/>
+            <a:lvl5pPr marL="1440180" indent="0">
+              <a:buNone/>
+              <a:defRPr sz="1415"/>
             </a:lvl5pPr>
-            <a:lvl6pPr marL="2286000" indent="0">
-              <a:buNone/>
-              <a:defRPr sz="1800"/>
+            <a:lvl6pPr marL="1800225" indent="0">
+              <a:buNone/>
+              <a:defRPr sz="1415"/>
             </a:lvl6pPr>
-            <a:lvl7pPr marL="2743200" indent="0">
-              <a:buNone/>
-              <a:defRPr sz="1800"/>
+            <a:lvl7pPr marL="2160270" indent="0">
+              <a:buNone/>
+              <a:defRPr sz="1415"/>
             </a:lvl7pPr>
-            <a:lvl8pPr marL="3200400" indent="0">
-              <a:buNone/>
-              <a:defRPr sz="1800"/>
+            <a:lvl8pPr marL="2520315" indent="0">
+              <a:buNone/>
+              <a:defRPr sz="1415"/>
             </a:lvl8pPr>
-            <a:lvl9pPr marL="3657600" indent="0">
-              <a:buNone/>
-              <a:defRPr sz="1800"/>
+            <a:lvl9pPr marL="2879725" indent="0">
+              <a:buNone/>
+              <a:defRPr sz="1415"/>
             </a:lvl9pPr>
           </a:lstStyle>
           <a:p>
@@ -1331,8 +1337,8 @@
         </p:nvSpPr>
         <p:spPr>
           <a:xfrm>
-            <a:off x="6256938" y="2665379"/>
-            <a:ext cx="4897576" cy="3524284"/>
+            <a:off x="3695422" y="2658709"/>
+            <a:ext cx="2892567" cy="3515465"/>
           </a:xfrm>
         </p:spPr>
         <p:txBody>
@@ -1679,15 +1685,15 @@
         </p:nvSpPr>
         <p:spPr>
           <a:xfrm>
-            <a:off x="839788" y="457200"/>
-            <a:ext cx="4165349" cy="1600200"/>
+            <a:off x="495989" y="456056"/>
+            <a:ext cx="2460105" cy="1596196"/>
           </a:xfrm>
         </p:spPr>
         <p:txBody>
           <a:bodyPr anchor="b"/>
           <a:lstStyle>
             <a:lvl1pPr>
-              <a:defRPr sz="3200"/>
+              <a:defRPr sz="2520"/>
             </a:lvl1pPr>
           </a:lstStyle>
           <a:p>
@@ -1711,8 +1717,8 @@
         </p:nvSpPr>
         <p:spPr>
           <a:xfrm>
-            <a:off x="5183188" y="457201"/>
-            <a:ext cx="6172200" cy="5403850"/>
+            <a:off x="3061253" y="456057"/>
+            <a:ext cx="3645375" cy="5390327"/>
           </a:xfrm>
         </p:spPr>
         <p:txBody>
@@ -1720,39 +1726,39 @@
           <a:lstStyle>
             <a:lvl1pPr marL="0" indent="0">
               <a:buNone/>
-              <a:defRPr sz="3200"/>
+              <a:defRPr sz="2520"/>
             </a:lvl1pPr>
-            <a:lvl2pPr marL="457200" indent="0">
-              <a:buNone/>
-              <a:defRPr sz="2800"/>
+            <a:lvl2pPr marL="360045" indent="0">
+              <a:buNone/>
+              <a:defRPr sz="2205"/>
             </a:lvl2pPr>
-            <a:lvl3pPr marL="914400" indent="0">
-              <a:buNone/>
-              <a:defRPr sz="2400"/>
+            <a:lvl3pPr marL="720090" indent="0">
+              <a:buNone/>
+              <a:defRPr sz="1890"/>
             </a:lvl3pPr>
-            <a:lvl4pPr marL="1371600" indent="0">
-              <a:buNone/>
-              <a:defRPr sz="2000"/>
+            <a:lvl4pPr marL="1080135" indent="0">
+              <a:buNone/>
+              <a:defRPr sz="1575"/>
             </a:lvl4pPr>
-            <a:lvl5pPr marL="1828800" indent="0">
-              <a:buNone/>
-              <a:defRPr sz="2000"/>
+            <a:lvl5pPr marL="1440180" indent="0">
+              <a:buNone/>
+              <a:defRPr sz="1575"/>
             </a:lvl5pPr>
-            <a:lvl6pPr marL="2286000" indent="0">
-              <a:buNone/>
-              <a:defRPr sz="2000"/>
+            <a:lvl6pPr marL="1800225" indent="0">
+              <a:buNone/>
+              <a:defRPr sz="1575"/>
             </a:lvl6pPr>
-            <a:lvl7pPr marL="2743200" indent="0">
-              <a:buNone/>
-              <a:defRPr sz="2000"/>
+            <a:lvl7pPr marL="2160270" indent="0">
+              <a:buNone/>
+              <a:defRPr sz="1575"/>
             </a:lvl7pPr>
-            <a:lvl8pPr marL="3200400" indent="0">
-              <a:buNone/>
-              <a:defRPr sz="2000"/>
+            <a:lvl8pPr marL="2520315" indent="0">
+              <a:buNone/>
+              <a:defRPr sz="1575"/>
             </a:lvl8pPr>
-            <a:lvl9pPr marL="3657600" indent="0">
-              <a:buNone/>
-              <a:defRPr sz="2000"/>
+            <a:lvl9pPr marL="2879725" indent="0">
+              <a:buNone/>
+              <a:defRPr sz="1575"/>
             </a:lvl9pPr>
           </a:lstStyle>
           <a:p>
@@ -1772,8 +1778,8 @@
         </p:nvSpPr>
         <p:spPr>
           <a:xfrm>
-            <a:off x="839788" y="2057400"/>
-            <a:ext cx="4165349" cy="3811588"/>
+            <a:off x="495989" y="2052251"/>
+            <a:ext cx="2460105" cy="3802050"/>
           </a:xfrm>
         </p:spPr>
         <p:txBody>
@@ -1781,39 +1787,39 @@
           <a:lstStyle>
             <a:lvl1pPr marL="0" indent="0">
               <a:buNone/>
-              <a:defRPr sz="2000"/>
+              <a:defRPr sz="1575"/>
             </a:lvl1pPr>
-            <a:lvl2pPr marL="457200" indent="0">
-              <a:buNone/>
-              <a:defRPr sz="1800"/>
+            <a:lvl2pPr marL="360045" indent="0">
+              <a:buNone/>
+              <a:defRPr sz="1415"/>
             </a:lvl2pPr>
-            <a:lvl3pPr marL="914400" indent="0">
-              <a:buNone/>
-              <a:defRPr sz="1600"/>
+            <a:lvl3pPr marL="720090" indent="0">
+              <a:buNone/>
+              <a:defRPr sz="1260"/>
             </a:lvl3pPr>
-            <a:lvl4pPr marL="1371600" indent="0">
-              <a:buNone/>
-              <a:defRPr sz="1400"/>
+            <a:lvl4pPr marL="1080135" indent="0">
+              <a:buNone/>
+              <a:defRPr sz="1100"/>
             </a:lvl4pPr>
-            <a:lvl5pPr marL="1828800" indent="0">
-              <a:buNone/>
-              <a:defRPr sz="1400"/>
+            <a:lvl5pPr marL="1440180" indent="0">
+              <a:buNone/>
+              <a:defRPr sz="1100"/>
             </a:lvl5pPr>
-            <a:lvl6pPr marL="2286000" indent="0">
-              <a:buNone/>
-              <a:defRPr sz="1400"/>
+            <a:lvl6pPr marL="1800225" indent="0">
+              <a:buNone/>
+              <a:defRPr sz="1100"/>
             </a:lvl6pPr>
-            <a:lvl7pPr marL="2743200" indent="0">
-              <a:buNone/>
-              <a:defRPr sz="1400"/>
+            <a:lvl7pPr marL="2160270" indent="0">
+              <a:buNone/>
+              <a:defRPr sz="1100"/>
             </a:lvl7pPr>
-            <a:lvl8pPr marL="3200400" indent="0">
-              <a:buNone/>
-              <a:defRPr sz="1400"/>
+            <a:lvl8pPr marL="2520315" indent="0">
+              <a:buNone/>
+              <a:defRPr sz="1100"/>
             </a:lvl8pPr>
-            <a:lvl9pPr marL="3657600" indent="0">
-              <a:buNone/>
-              <a:defRPr sz="1400"/>
+            <a:lvl9pPr marL="2879725" indent="0">
+              <a:buNone/>
+              <a:defRPr sz="1100"/>
             </a:lvl9pPr>
           </a:lstStyle>
           <a:p>
@@ -1926,8 +1932,8 @@
         </p:nvSpPr>
         <p:spPr>
           <a:xfrm>
-            <a:off x="8724900" y="365125"/>
-            <a:ext cx="2628900" cy="5811838"/>
+            <a:off x="5153030" y="364211"/>
+            <a:ext cx="1552660" cy="5797294"/>
           </a:xfrm>
         </p:spPr>
         <p:txBody>
@@ -1954,8 +1960,8 @@
         </p:nvSpPr>
         <p:spPr>
           <a:xfrm>
-            <a:off x="838200" y="365125"/>
-            <a:ext cx="7734300" cy="5811838"/>
+            <a:off x="495051" y="364211"/>
+            <a:ext cx="4567970" cy="5797294"/>
           </a:xfrm>
         </p:spPr>
         <p:txBody>
@@ -2108,8 +2114,8 @@
         </p:nvSpPr>
         <p:spPr>
           <a:xfrm>
-            <a:off x="838200" y="365125"/>
-            <a:ext cx="10515600" cy="1325563"/>
+            <a:off x="495051" y="364211"/>
+            <a:ext cx="6210639" cy="1322246"/>
           </a:xfrm>
           <a:prstGeom prst="rect">
             <a:avLst/>
@@ -2141,8 +2147,8 @@
         </p:nvSpPr>
         <p:spPr>
           <a:xfrm>
-            <a:off x="838200" y="1825625"/>
-            <a:ext cx="10515600" cy="4351338"/>
+            <a:off x="495051" y="1821056"/>
+            <a:ext cx="6210639" cy="4340449"/>
           </a:xfrm>
           <a:prstGeom prst="rect">
             <a:avLst/>
@@ -2207,8 +2213,8 @@
         </p:nvSpPr>
         <p:spPr>
           <a:xfrm>
-            <a:off x="838200" y="6356350"/>
-            <a:ext cx="2743200" cy="365125"/>
+            <a:off x="495051" y="6340443"/>
+            <a:ext cx="1620167" cy="364211"/>
           </a:xfrm>
           <a:prstGeom prst="rect">
             <a:avLst/>
@@ -2218,7 +2224,7 @@
           <a:bodyPr vert="horz" lIns="91440" tIns="45720" rIns="91440" bIns="45720" rtlCol="0" anchor="ctr"/>
           <a:lstStyle>
             <a:lvl1pPr algn="l">
-              <a:defRPr sz="1200">
+              <a:defRPr sz="945">
                 <a:solidFill>
                   <a:schemeClr val="tx1">
                     <a:tint val="75000"/>
@@ -2247,8 +2253,8 @@
         </p:nvSpPr>
         <p:spPr>
           <a:xfrm>
-            <a:off x="4038600" y="6356350"/>
-            <a:ext cx="4114800" cy="365125"/>
+            <a:off x="2385245" y="6340443"/>
+            <a:ext cx="2430250" cy="364211"/>
           </a:xfrm>
           <a:prstGeom prst="rect">
             <a:avLst/>
@@ -2258,7 +2264,7 @@
           <a:bodyPr vert="horz" lIns="91440" tIns="45720" rIns="91440" bIns="45720" rtlCol="0" anchor="ctr"/>
           <a:lstStyle>
             <a:lvl1pPr algn="ctr">
-              <a:defRPr sz="1200">
+              <a:defRPr sz="945">
                 <a:solidFill>
                   <a:schemeClr val="tx1">
                     <a:tint val="75000"/>
@@ -2284,8 +2290,8 @@
         </p:nvSpPr>
         <p:spPr>
           <a:xfrm>
-            <a:off x="8610600" y="6356350"/>
-            <a:ext cx="2743200" cy="365125"/>
+            <a:off x="5085523" y="6340443"/>
+            <a:ext cx="1620167" cy="364211"/>
           </a:xfrm>
           <a:prstGeom prst="rect">
             <a:avLst/>
@@ -2295,7 +2301,7 @@
           <a:bodyPr vert="horz" lIns="91440" tIns="45720" rIns="91440" bIns="45720" rtlCol="0" anchor="ctr"/>
           <a:lstStyle>
             <a:lvl1pPr algn="r">
-              <a:defRPr sz="1200">
+              <a:defRPr sz="945">
                 <a:solidFill>
                   <a:schemeClr val="tx1">
                     <a:tint val="75000"/>
@@ -2329,7 +2335,7 @@
   </p:sldLayoutIdLst>
   <p:txStyles>
     <p:titleStyle>
-      <a:lvl1pPr algn="l" defTabSz="914400" rtl="0" eaLnBrk="1" latinLnBrk="0" hangingPunct="1">
+      <a:lvl1pPr algn="l" defTabSz="720090" rtl="0" eaLnBrk="1" latinLnBrk="0" hangingPunct="1">
         <a:lnSpc>
           <a:spcPct val="90000"/>
         </a:lnSpc>
@@ -2337,7 +2343,7 @@
           <a:spcPct val="0"/>
         </a:spcBef>
         <a:buNone/>
-        <a:defRPr sz="4400" kern="1200">
+        <a:defRPr sz="3465" kern="1200">
           <a:solidFill>
             <a:schemeClr val="tx1"/>
           </a:solidFill>
@@ -2348,16 +2354,16 @@
       </a:lvl1pPr>
     </p:titleStyle>
     <p:bodyStyle>
-      <a:lvl1pPr marL="228600" indent="-228600" algn="l" defTabSz="914400" rtl="0" eaLnBrk="1" latinLnBrk="0" hangingPunct="1">
+      <a:lvl1pPr marL="179705" indent="-179705" algn="l" defTabSz="720090" rtl="0" eaLnBrk="1" latinLnBrk="0" hangingPunct="1">
         <a:lnSpc>
           <a:spcPct val="90000"/>
         </a:lnSpc>
         <a:spcBef>
-          <a:spcPts val="1000"/>
+          <a:spcPts val="785"/>
         </a:spcBef>
         <a:buFont typeface="Arial" panose="020B0604020202090204" pitchFamily="34" charset="0"/>
         <a:buChar char="•"/>
-        <a:defRPr sz="2800" kern="1200">
+        <a:defRPr sz="2205" kern="1200">
           <a:solidFill>
             <a:schemeClr val="tx1"/>
           </a:solidFill>
@@ -2366,16 +2372,16 @@
           <a:cs typeface="+mn-cs"/>
         </a:defRPr>
       </a:lvl1pPr>
-      <a:lvl2pPr marL="685800" indent="-228600" algn="l" defTabSz="914400" rtl="0" eaLnBrk="1" latinLnBrk="0" hangingPunct="1">
+      <a:lvl2pPr marL="539750" indent="-179705" algn="l" defTabSz="720090" rtl="0" eaLnBrk="1" latinLnBrk="0" hangingPunct="1">
         <a:lnSpc>
           <a:spcPct val="90000"/>
         </a:lnSpc>
         <a:spcBef>
-          <a:spcPts val="500"/>
+          <a:spcPct val="79000"/>
         </a:spcBef>
         <a:buFont typeface="Arial" panose="020B0604020202090204" pitchFamily="34" charset="0"/>
         <a:buChar char="•"/>
-        <a:defRPr sz="2400" kern="1200">
+        <a:defRPr sz="1890" kern="1200">
           <a:solidFill>
             <a:schemeClr val="tx1"/>
           </a:solidFill>
@@ -2384,16 +2390,16 @@
           <a:cs typeface="+mn-cs"/>
         </a:defRPr>
       </a:lvl2pPr>
-      <a:lvl3pPr marL="1143000" indent="-228600" algn="l" defTabSz="914400" rtl="0" eaLnBrk="1" latinLnBrk="0" hangingPunct="1">
+      <a:lvl3pPr marL="899795" indent="-179705" algn="l" defTabSz="720090" rtl="0" eaLnBrk="1" latinLnBrk="0" hangingPunct="1">
         <a:lnSpc>
           <a:spcPct val="90000"/>
         </a:lnSpc>
         <a:spcBef>
-          <a:spcPts val="500"/>
+          <a:spcPct val="79000"/>
         </a:spcBef>
         <a:buFont typeface="Arial" panose="020B0604020202090204" pitchFamily="34" charset="0"/>
         <a:buChar char="•"/>
-        <a:defRPr sz="2000" kern="1200">
+        <a:defRPr sz="1575" kern="1200">
           <a:solidFill>
             <a:schemeClr val="tx1"/>
           </a:solidFill>
@@ -2402,16 +2408,16 @@
           <a:cs typeface="+mn-cs"/>
         </a:defRPr>
       </a:lvl3pPr>
-      <a:lvl4pPr marL="1600200" indent="-228600" algn="l" defTabSz="914400" rtl="0" eaLnBrk="1" latinLnBrk="0" hangingPunct="1">
+      <a:lvl4pPr marL="1259840" indent="-179705" algn="l" defTabSz="720090" rtl="0" eaLnBrk="1" latinLnBrk="0" hangingPunct="1">
         <a:lnSpc>
           <a:spcPct val="90000"/>
         </a:lnSpc>
         <a:spcBef>
-          <a:spcPts val="500"/>
+          <a:spcPct val="79000"/>
         </a:spcBef>
         <a:buFont typeface="Arial" panose="020B0604020202090204" pitchFamily="34" charset="0"/>
         <a:buChar char="•"/>
-        <a:defRPr sz="1800" kern="1200">
+        <a:defRPr sz="1415" kern="1200">
           <a:solidFill>
             <a:schemeClr val="tx1"/>
           </a:solidFill>
@@ -2420,16 +2426,16 @@
           <a:cs typeface="+mn-cs"/>
         </a:defRPr>
       </a:lvl4pPr>
-      <a:lvl5pPr marL="2057400" indent="-228600" algn="l" defTabSz="914400" rtl="0" eaLnBrk="1" latinLnBrk="0" hangingPunct="1">
+      <a:lvl5pPr marL="1619885" indent="-179705" algn="l" defTabSz="720090" rtl="0" eaLnBrk="1" latinLnBrk="0" hangingPunct="1">
         <a:lnSpc>
           <a:spcPct val="90000"/>
         </a:lnSpc>
         <a:spcBef>
-          <a:spcPts val="500"/>
+          <a:spcPct val="79000"/>
         </a:spcBef>
         <a:buFont typeface="Arial" panose="020B0604020202090204" pitchFamily="34" charset="0"/>
         <a:buChar char="•"/>
-        <a:defRPr sz="1800" kern="1200">
+        <a:defRPr sz="1415" kern="1200">
           <a:solidFill>
             <a:schemeClr val="tx1"/>
           </a:solidFill>
@@ -2438,16 +2444,16 @@
           <a:cs typeface="+mn-cs"/>
         </a:defRPr>
       </a:lvl5pPr>
-      <a:lvl6pPr marL="2514600" indent="-228600" algn="l" defTabSz="914400" rtl="0" eaLnBrk="1" latinLnBrk="0" hangingPunct="1">
+      <a:lvl6pPr marL="1979930" indent="-179705" algn="l" defTabSz="720090" rtl="0" eaLnBrk="1" latinLnBrk="0" hangingPunct="1">
         <a:lnSpc>
           <a:spcPct val="90000"/>
         </a:lnSpc>
         <a:spcBef>
-          <a:spcPts val="500"/>
+          <a:spcPct val="79000"/>
         </a:spcBef>
         <a:buFont typeface="Arial" panose="020B0604020202090204" pitchFamily="34" charset="0"/>
         <a:buChar char="•"/>
-        <a:defRPr sz="1800" kern="1200">
+        <a:defRPr sz="1415" kern="1200">
           <a:solidFill>
             <a:schemeClr val="tx1"/>
           </a:solidFill>
@@ -2456,16 +2462,16 @@
           <a:cs typeface="+mn-cs"/>
         </a:defRPr>
       </a:lvl6pPr>
-      <a:lvl7pPr marL="2971800" indent="-228600" algn="l" defTabSz="914400" rtl="0" eaLnBrk="1" latinLnBrk="0" hangingPunct="1">
+      <a:lvl7pPr marL="2339975" indent="-179705" algn="l" defTabSz="720090" rtl="0" eaLnBrk="1" latinLnBrk="0" hangingPunct="1">
         <a:lnSpc>
           <a:spcPct val="90000"/>
         </a:lnSpc>
         <a:spcBef>
-          <a:spcPts val="500"/>
+          <a:spcPct val="79000"/>
         </a:spcBef>
         <a:buFont typeface="Arial" panose="020B0604020202090204" pitchFamily="34" charset="0"/>
         <a:buChar char="•"/>
-        <a:defRPr sz="1800" kern="1200">
+        <a:defRPr sz="1415" kern="1200">
           <a:solidFill>
             <a:schemeClr val="tx1"/>
           </a:solidFill>
@@ -2474,16 +2480,16 @@
           <a:cs typeface="+mn-cs"/>
         </a:defRPr>
       </a:lvl7pPr>
-      <a:lvl8pPr marL="3429000" indent="-228600" algn="l" defTabSz="914400" rtl="0" eaLnBrk="1" latinLnBrk="0" hangingPunct="1">
+      <a:lvl8pPr marL="2700020" indent="-179705" algn="l" defTabSz="720090" rtl="0" eaLnBrk="1" latinLnBrk="0" hangingPunct="1">
         <a:lnSpc>
           <a:spcPct val="90000"/>
         </a:lnSpc>
         <a:spcBef>
-          <a:spcPts val="500"/>
+          <a:spcPct val="79000"/>
         </a:spcBef>
         <a:buFont typeface="Arial" panose="020B0604020202090204" pitchFamily="34" charset="0"/>
         <a:buChar char="•"/>
-        <a:defRPr sz="1800" kern="1200">
+        <a:defRPr sz="1415" kern="1200">
           <a:solidFill>
             <a:schemeClr val="tx1"/>
           </a:solidFill>
@@ -2492,16 +2498,16 @@
           <a:cs typeface="+mn-cs"/>
         </a:defRPr>
       </a:lvl8pPr>
-      <a:lvl9pPr marL="3886200" indent="-228600" algn="l" defTabSz="914400" rtl="0" eaLnBrk="1" latinLnBrk="0" hangingPunct="1">
+      <a:lvl9pPr marL="3060065" indent="-179705" algn="l" defTabSz="720090" rtl="0" eaLnBrk="1" latinLnBrk="0" hangingPunct="1">
         <a:lnSpc>
           <a:spcPct val="90000"/>
         </a:lnSpc>
         <a:spcBef>
-          <a:spcPts val="500"/>
+          <a:spcPct val="79000"/>
         </a:spcBef>
         <a:buFont typeface="Arial" panose="020B0604020202090204" pitchFamily="34" charset="0"/>
         <a:buChar char="•"/>
-        <a:defRPr sz="1800" kern="1200">
+        <a:defRPr sz="1415" kern="1200">
           <a:solidFill>
             <a:schemeClr val="tx1"/>
           </a:solidFill>
@@ -2515,8 +2521,8 @@
       <a:defPPr>
         <a:defRPr lang="zh-CN"/>
       </a:defPPr>
-      <a:lvl1pPr marL="0" algn="l" defTabSz="914400" rtl="0" eaLnBrk="1" latinLnBrk="0" hangingPunct="1">
-        <a:defRPr sz="1800" kern="1200">
+      <a:lvl1pPr marL="0" algn="l" defTabSz="720090" rtl="0" eaLnBrk="1" latinLnBrk="0" hangingPunct="1">
+        <a:defRPr sz="1415" kern="1200">
           <a:solidFill>
             <a:schemeClr val="tx1"/>
           </a:solidFill>
@@ -2525,8 +2531,8 @@
           <a:cs typeface="+mn-cs"/>
         </a:defRPr>
       </a:lvl1pPr>
-      <a:lvl2pPr marL="457200" algn="l" defTabSz="914400" rtl="0" eaLnBrk="1" latinLnBrk="0" hangingPunct="1">
-        <a:defRPr sz="1800" kern="1200">
+      <a:lvl2pPr marL="360045" algn="l" defTabSz="720090" rtl="0" eaLnBrk="1" latinLnBrk="0" hangingPunct="1">
+        <a:defRPr sz="1415" kern="1200">
           <a:solidFill>
             <a:schemeClr val="tx1"/>
           </a:solidFill>
@@ -2535,8 +2541,8 @@
           <a:cs typeface="+mn-cs"/>
         </a:defRPr>
       </a:lvl2pPr>
-      <a:lvl3pPr marL="914400" algn="l" defTabSz="914400" rtl="0" eaLnBrk="1" latinLnBrk="0" hangingPunct="1">
-        <a:defRPr sz="1800" kern="1200">
+      <a:lvl3pPr marL="720090" algn="l" defTabSz="720090" rtl="0" eaLnBrk="1" latinLnBrk="0" hangingPunct="1">
+        <a:defRPr sz="1415" kern="1200">
           <a:solidFill>
             <a:schemeClr val="tx1"/>
           </a:solidFill>
@@ -2545,8 +2551,8 @@
           <a:cs typeface="+mn-cs"/>
         </a:defRPr>
       </a:lvl3pPr>
-      <a:lvl4pPr marL="1371600" algn="l" defTabSz="914400" rtl="0" eaLnBrk="1" latinLnBrk="0" hangingPunct="1">
-        <a:defRPr sz="1800" kern="1200">
+      <a:lvl4pPr marL="1080135" algn="l" defTabSz="720090" rtl="0" eaLnBrk="1" latinLnBrk="0" hangingPunct="1">
+        <a:defRPr sz="1415" kern="1200">
           <a:solidFill>
             <a:schemeClr val="tx1"/>
           </a:solidFill>
@@ -2555,8 +2561,8 @@
           <a:cs typeface="+mn-cs"/>
         </a:defRPr>
       </a:lvl4pPr>
-      <a:lvl5pPr marL="1828800" algn="l" defTabSz="914400" rtl="0" eaLnBrk="1" latinLnBrk="0" hangingPunct="1">
-        <a:defRPr sz="1800" kern="1200">
+      <a:lvl5pPr marL="1440180" algn="l" defTabSz="720090" rtl="0" eaLnBrk="1" latinLnBrk="0" hangingPunct="1">
+        <a:defRPr sz="1415" kern="1200">
           <a:solidFill>
             <a:schemeClr val="tx1"/>
           </a:solidFill>
@@ -2565,8 +2571,8 @@
           <a:cs typeface="+mn-cs"/>
         </a:defRPr>
       </a:lvl5pPr>
-      <a:lvl6pPr marL="2286000" algn="l" defTabSz="914400" rtl="0" eaLnBrk="1" latinLnBrk="0" hangingPunct="1">
-        <a:defRPr sz="1800" kern="1200">
+      <a:lvl6pPr marL="1800225" algn="l" defTabSz="720090" rtl="0" eaLnBrk="1" latinLnBrk="0" hangingPunct="1">
+        <a:defRPr sz="1415" kern="1200">
           <a:solidFill>
             <a:schemeClr val="tx1"/>
           </a:solidFill>
@@ -2575,8 +2581,8 @@
           <a:cs typeface="+mn-cs"/>
         </a:defRPr>
       </a:lvl6pPr>
-      <a:lvl7pPr marL="2743200" algn="l" defTabSz="914400" rtl="0" eaLnBrk="1" latinLnBrk="0" hangingPunct="1">
-        <a:defRPr sz="1800" kern="1200">
+      <a:lvl7pPr marL="2160270" algn="l" defTabSz="720090" rtl="0" eaLnBrk="1" latinLnBrk="0" hangingPunct="1">
+        <a:defRPr sz="1415" kern="1200">
           <a:solidFill>
             <a:schemeClr val="tx1"/>
           </a:solidFill>
@@ -2585,8 +2591,8 @@
           <a:cs typeface="+mn-cs"/>
         </a:defRPr>
       </a:lvl7pPr>
-      <a:lvl8pPr marL="3200400" algn="l" defTabSz="914400" rtl="0" eaLnBrk="1" latinLnBrk="0" hangingPunct="1">
-        <a:defRPr sz="1800" kern="1200">
+      <a:lvl8pPr marL="2520315" algn="l" defTabSz="720090" rtl="0" eaLnBrk="1" latinLnBrk="0" hangingPunct="1">
+        <a:defRPr sz="1415" kern="1200">
           <a:solidFill>
             <a:schemeClr val="tx1"/>
           </a:solidFill>
@@ -2595,8 +2601,8 @@
           <a:cs typeface="+mn-cs"/>
         </a:defRPr>
       </a:lvl8pPr>
-      <a:lvl9pPr marL="3657600" algn="l" defTabSz="914400" rtl="0" eaLnBrk="1" latinLnBrk="0" hangingPunct="1">
-        <a:defRPr sz="1800" kern="1200">
+      <a:lvl9pPr marL="2879725" algn="l" defTabSz="720090" rtl="0" eaLnBrk="1" latinLnBrk="0" hangingPunct="1">
+        <a:defRPr sz="1415" kern="1200">
           <a:solidFill>
             <a:schemeClr val="tx1"/>
           </a:solidFill>
@@ -2622,7 +2628,7 @@
       <p:grpSpPr/>
       <p:pic>
         <p:nvPicPr>
-          <p:cNvPr id="4" name="图片 3"/>
+          <p:cNvPr id="7" name="图片 6" descr="basic-tutorial_00"/>
           <p:cNvPicPr>
             <a:picLocks noChangeAspect="1"/>
           </p:cNvPicPr>
@@ -2630,14 +2636,451 @@
         </p:nvPicPr>
         <p:blipFill>
           <a:blip r:embed="rId1"/>
+          <a:srcRect l="10690" t="8861" r="5609" b="30041"/>
           <a:stretch>
             <a:fillRect/>
           </a:stretch>
         </p:blipFill>
         <p:spPr>
           <a:xfrm>
-            <a:off x="2538095" y="0"/>
-            <a:ext cx="7115810" cy="6858000"/>
+            <a:off x="0" y="0"/>
+            <a:ext cx="7200265" cy="6802120"/>
+          </a:xfrm>
+          <a:prstGeom prst="rect">
+            <a:avLst/>
+          </a:prstGeom>
+        </p:spPr>
+      </p:pic>
+      <p:sp>
+        <p:nvSpPr>
+          <p:cNvPr id="5" name="文本框 4"/>
+          <p:cNvSpPr txBox="1"/>
+          <p:nvPr/>
+        </p:nvSpPr>
+        <p:spPr>
+          <a:xfrm>
+            <a:off x="4923186" y="297"/>
+            <a:ext cx="1437769" cy="295910"/>
+          </a:xfrm>
+          <a:prstGeom prst="rect">
+            <a:avLst/>
+          </a:prstGeom>
+          <a:noFill/>
+        </p:spPr>
+        <p:txBody>
+          <a:bodyPr wrap="square" rtlCol="0">
+            <a:spAutoFit/>
+          </a:bodyPr>
+          <a:p>
+            <a:r>
+              <a:rPr lang="en-US" altLang="zh-CN" sz="1330">
+                <a:latin typeface="Times New Roman" panose="02020603050405020304" charset="0"/>
+                <a:cs typeface="Times New Roman" panose="02020603050405020304" charset="0"/>
+              </a:rPr>
+              <a:t>REACR result</a:t>
+            </a:r>
+            <a:endParaRPr lang="en-US" altLang="zh-CN" sz="1330">
+              <a:latin typeface="Times New Roman" panose="02020603050405020304" charset="0"/>
+              <a:cs typeface="Times New Roman" panose="02020603050405020304" charset="0"/>
+            </a:endParaRPr>
+          </a:p>
+        </p:txBody>
+      </p:sp>
+      <p:sp>
+        <p:nvSpPr>
+          <p:cNvPr id="6" name="矩形 5"/>
+          <p:cNvSpPr/>
+          <p:nvPr/>
+        </p:nvSpPr>
+        <p:spPr>
+          <a:xfrm>
+            <a:off x="4693920" y="39370"/>
+            <a:ext cx="229235" cy="217805"/>
+          </a:xfrm>
+          <a:prstGeom prst="rect">
+            <a:avLst/>
+          </a:prstGeom>
+          <a:solidFill>
+            <a:srgbClr val="4169A2"/>
+          </a:solidFill>
+          <a:ln>
+            <a:noFill/>
+          </a:ln>
+        </p:spPr>
+        <p:style>
+          <a:lnRef idx="2">
+            <a:schemeClr val="accent1">
+              <a:shade val="50000"/>
+            </a:schemeClr>
+          </a:lnRef>
+          <a:fillRef idx="1">
+            <a:schemeClr val="accent1"/>
+          </a:fillRef>
+          <a:effectRef idx="0">
+            <a:schemeClr val="accent1"/>
+          </a:effectRef>
+          <a:fontRef idx="minor">
+            <a:schemeClr val="lt1"/>
+          </a:fontRef>
+        </p:style>
+        <p:txBody>
+          <a:bodyPr rtlCol="0" anchor="ctr"/>
+          <a:p>
+            <a:pPr algn="ctr"/>
+            <a:endParaRPr lang="zh-CN" altLang="en-US" sz="1995"/>
+          </a:p>
+        </p:txBody>
+      </p:sp>
+    </p:spTree>
+  </p:cSld>
+  <p:clrMapOvr>
+    <a:masterClrMapping/>
+  </p:clrMapOvr>
+</p:sld>
+</file>
+
+<file path=ppt/slides/slide2.xml><?xml version="1.0" encoding="utf-8"?>
+<p:sld xmlns:a="http://schemas.openxmlformats.org/drawingml/2006/main" xmlns:r="http://schemas.openxmlformats.org/officeDocument/2006/relationships" xmlns:p="http://schemas.openxmlformats.org/presentationml/2006/main">
+  <p:cSld>
+    <p:spTree>
+      <p:nvGrpSpPr>
+        <p:cNvPr id="1" name=""/>
+        <p:cNvGrpSpPr/>
+        <p:nvPr/>
+      </p:nvGrpSpPr>
+      <p:grpSpPr/>
+      <p:pic>
+        <p:nvPicPr>
+          <p:cNvPr id="5" name="图片 4" descr="basic-tutorial_05"/>
+          <p:cNvPicPr>
+            <a:picLocks noChangeAspect="1"/>
+          </p:cNvPicPr>
+          <p:nvPr/>
+        </p:nvPicPr>
+        <p:blipFill>
+          <a:blip r:embed="rId1"/>
+          <a:srcRect l="10471" t="19924" r="7154" b="19563"/>
+          <a:stretch>
+            <a:fillRect/>
+          </a:stretch>
+        </p:blipFill>
+        <p:spPr>
+          <a:xfrm>
+            <a:off x="0" y="0"/>
+            <a:ext cx="7199630" cy="6844665"/>
+          </a:xfrm>
+          <a:prstGeom prst="rect">
+            <a:avLst/>
+          </a:prstGeom>
+        </p:spPr>
+      </p:pic>
+    </p:spTree>
+  </p:cSld>
+  <p:clrMapOvr>
+    <a:masterClrMapping/>
+  </p:clrMapOvr>
+</p:sld>
+</file>
+
+<file path=ppt/slides/slide3.xml><?xml version="1.0" encoding="utf-8"?>
+<p:sld xmlns:a="http://schemas.openxmlformats.org/drawingml/2006/main" xmlns:r="http://schemas.openxmlformats.org/officeDocument/2006/relationships" xmlns:p="http://schemas.openxmlformats.org/presentationml/2006/main">
+  <p:cSld>
+    <p:spTree>
+      <p:nvGrpSpPr>
+        <p:cNvPr id="1" name=""/>
+        <p:cNvGrpSpPr/>
+        <p:nvPr/>
+      </p:nvGrpSpPr>
+      <p:grpSpPr/>
+      <p:pic>
+        <p:nvPicPr>
+          <p:cNvPr id="4" name="图片 3" descr="basic-tutorial_01"/>
+          <p:cNvPicPr>
+            <a:picLocks noChangeAspect="1"/>
+          </p:cNvPicPr>
+          <p:nvPr/>
+        </p:nvPicPr>
+        <p:blipFill>
+          <a:blip r:embed="rId1"/>
+          <a:srcRect l="10810" t="20032" r="10810" b="19893"/>
+          <a:stretch>
+            <a:fillRect/>
+          </a:stretch>
+        </p:blipFill>
+        <p:spPr>
+          <a:xfrm>
+            <a:off x="157480" y="0"/>
+            <a:ext cx="6884670" cy="6828790"/>
+          </a:xfrm>
+          <a:prstGeom prst="rect">
+            <a:avLst/>
+          </a:prstGeom>
+        </p:spPr>
+      </p:pic>
+    </p:spTree>
+  </p:cSld>
+  <p:clrMapOvr>
+    <a:masterClrMapping/>
+  </p:clrMapOvr>
+</p:sld>
+</file>
+
+<file path=ppt/slides/slide4.xml><?xml version="1.0" encoding="utf-8"?>
+<p:sld xmlns:a="http://schemas.openxmlformats.org/drawingml/2006/main" xmlns:r="http://schemas.openxmlformats.org/officeDocument/2006/relationships" xmlns:p="http://schemas.openxmlformats.org/presentationml/2006/main">
+  <p:cSld>
+    <p:spTree>
+      <p:nvGrpSpPr>
+        <p:cNvPr id="1" name=""/>
+        <p:cNvGrpSpPr/>
+        <p:nvPr/>
+      </p:nvGrpSpPr>
+      <p:grpSpPr/>
+      <p:pic>
+        <p:nvPicPr>
+          <p:cNvPr id="4" name="图片 3" descr="basic-tutorial_03"/>
+          <p:cNvPicPr>
+            <a:picLocks noChangeAspect="1"/>
+          </p:cNvPicPr>
+          <p:nvPr/>
+        </p:nvPicPr>
+        <p:blipFill>
+          <a:blip r:embed="rId1"/>
+          <a:srcRect l="10152" t="20053" r="8530" b="19929"/>
+          <a:stretch>
+            <a:fillRect/>
+          </a:stretch>
+        </p:blipFill>
+        <p:spPr>
+          <a:xfrm>
+            <a:off x="22225" y="0"/>
+            <a:ext cx="7154545" cy="6833870"/>
+          </a:xfrm>
+          <a:prstGeom prst="rect">
+            <a:avLst/>
+          </a:prstGeom>
+        </p:spPr>
+      </p:pic>
+    </p:spTree>
+  </p:cSld>
+  <p:clrMapOvr>
+    <a:masterClrMapping/>
+  </p:clrMapOvr>
+</p:sld>
+</file>
+
+<file path=ppt/slides/slide5.xml><?xml version="1.0" encoding="utf-8"?>
+<p:sld xmlns:a="http://schemas.openxmlformats.org/drawingml/2006/main" xmlns:r="http://schemas.openxmlformats.org/officeDocument/2006/relationships" xmlns:p="http://schemas.openxmlformats.org/presentationml/2006/main">
+  <p:cSld>
+    <p:spTree>
+      <p:nvGrpSpPr>
+        <p:cNvPr id="1" name=""/>
+        <p:cNvGrpSpPr/>
+        <p:nvPr/>
+      </p:nvGrpSpPr>
+      <p:grpSpPr/>
+      <p:pic>
+        <p:nvPicPr>
+          <p:cNvPr id="4" name="图片 3" descr="basic-tutorial_06"/>
+          <p:cNvPicPr>
+            <a:picLocks noChangeAspect="1"/>
+          </p:cNvPicPr>
+          <p:nvPr/>
+        </p:nvPicPr>
+        <p:blipFill>
+          <a:blip r:embed="rId1"/>
+          <a:srcRect l="12912" t="21257" r="4941" b="18641"/>
+          <a:stretch>
+            <a:fillRect/>
+          </a:stretch>
+        </p:blipFill>
+        <p:spPr>
+          <a:xfrm>
+            <a:off x="180975" y="527050"/>
+            <a:ext cx="6838315" cy="6312535"/>
+          </a:xfrm>
+          <a:prstGeom prst="rect">
+            <a:avLst/>
+          </a:prstGeom>
+        </p:spPr>
+      </p:pic>
+      <p:pic>
+        <p:nvPicPr>
+          <p:cNvPr id="5" name="图片 4"/>
+          <p:cNvPicPr>
+            <a:picLocks noChangeAspect="1"/>
+          </p:cNvPicPr>
+          <p:nvPr/>
+        </p:nvPicPr>
+        <p:blipFill>
+          <a:blip r:embed="rId2"/>
+          <a:stretch>
+            <a:fillRect/>
+          </a:stretch>
+        </p:blipFill>
+        <p:spPr>
+          <a:xfrm>
+            <a:off x="1495425" y="105410"/>
+            <a:ext cx="3170555" cy="285115"/>
+          </a:xfrm>
+          <a:prstGeom prst="rect">
+            <a:avLst/>
+          </a:prstGeom>
+        </p:spPr>
+      </p:pic>
+      <p:sp>
+        <p:nvSpPr>
+          <p:cNvPr id="6" name="矩形 5"/>
+          <p:cNvSpPr/>
+          <p:nvPr/>
+        </p:nvSpPr>
+        <p:spPr>
+          <a:xfrm>
+            <a:off x="4665980" y="149225"/>
+            <a:ext cx="190500" cy="197485"/>
+          </a:xfrm>
+          <a:prstGeom prst="rect">
+            <a:avLst/>
+          </a:prstGeom>
+          <a:solidFill>
+            <a:srgbClr val="006400"/>
+          </a:solidFill>
+          <a:ln>
+            <a:noFill/>
+          </a:ln>
+        </p:spPr>
+        <p:style>
+          <a:lnRef idx="2">
+            <a:schemeClr val="accent1">
+              <a:shade val="50000"/>
+            </a:schemeClr>
+          </a:lnRef>
+          <a:fillRef idx="1">
+            <a:schemeClr val="accent1"/>
+          </a:fillRef>
+          <a:effectRef idx="0">
+            <a:schemeClr val="accent1"/>
+          </a:effectRef>
+          <a:fontRef idx="minor">
+            <a:schemeClr val="lt1"/>
+          </a:fontRef>
+        </p:style>
+        <p:txBody>
+          <a:bodyPr rtlCol="0" anchor="ctr"/>
+          <a:p>
+            <a:pPr algn="ctr"/>
+            <a:endParaRPr lang="zh-CN" altLang="en-US"/>
+          </a:p>
+        </p:txBody>
+      </p:sp>
+      <p:sp>
+        <p:nvSpPr>
+          <p:cNvPr id="7" name="文本框 6"/>
+          <p:cNvSpPr txBox="1"/>
+          <p:nvPr/>
+        </p:nvSpPr>
+        <p:spPr>
+          <a:xfrm>
+            <a:off x="4876800" y="125095"/>
+            <a:ext cx="789940" cy="245110"/>
+          </a:xfrm>
+          <a:prstGeom prst="rect">
+            <a:avLst/>
+          </a:prstGeom>
+          <a:noFill/>
+        </p:spPr>
+        <p:txBody>
+          <a:bodyPr wrap="none" rtlCol="0">
+            <a:spAutoFit/>
+          </a:bodyPr>
+          <a:p>
+            <a:r>
+              <a:rPr lang="en-US" altLang="zh-CN" sz="1000"/>
+              <a:t>Imputation</a:t>
+            </a:r>
+            <a:endParaRPr lang="en-US" altLang="zh-CN" sz="1000"/>
+          </a:p>
+        </p:txBody>
+      </p:sp>
+    </p:spTree>
+  </p:cSld>
+  <p:clrMapOvr>
+    <a:masterClrMapping/>
+  </p:clrMapOvr>
+</p:sld>
+</file>
+
+<file path=ppt/slides/slide6.xml><?xml version="1.0" encoding="utf-8"?>
+<p:sld xmlns:a="http://schemas.openxmlformats.org/drawingml/2006/main" xmlns:r="http://schemas.openxmlformats.org/officeDocument/2006/relationships" xmlns:p="http://schemas.openxmlformats.org/presentationml/2006/main">
+  <p:cSld>
+    <p:spTree>
+      <p:nvGrpSpPr>
+        <p:cNvPr id="1" name=""/>
+        <p:cNvGrpSpPr/>
+        <p:nvPr/>
+      </p:nvGrpSpPr>
+      <p:grpSpPr/>
+      <p:pic>
+        <p:nvPicPr>
+          <p:cNvPr id="4" name="图片 3" descr="basic-tutorial_04"/>
+          <p:cNvPicPr>
+            <a:picLocks noChangeAspect="1"/>
+          </p:cNvPicPr>
+          <p:nvPr/>
+        </p:nvPicPr>
+        <p:blipFill>
+          <a:blip r:embed="rId1"/>
+          <a:srcRect l="10641" t="20017" r="10431" b="19944"/>
+          <a:stretch>
+            <a:fillRect/>
+          </a:stretch>
+        </p:blipFill>
+        <p:spPr>
+          <a:xfrm>
+            <a:off x="132715" y="0"/>
+            <a:ext cx="6934200" cy="6826250"/>
+          </a:xfrm>
+          <a:prstGeom prst="rect">
+            <a:avLst/>
+          </a:prstGeom>
+        </p:spPr>
+      </p:pic>
+    </p:spTree>
+  </p:cSld>
+  <p:clrMapOvr>
+    <a:masterClrMapping/>
+  </p:clrMapOvr>
+</p:sld>
+</file>
+
+<file path=ppt/slides/slide7.xml><?xml version="1.0" encoding="utf-8"?>
+<p:sld xmlns:a="http://schemas.openxmlformats.org/drawingml/2006/main" xmlns:r="http://schemas.openxmlformats.org/officeDocument/2006/relationships" xmlns:p="http://schemas.openxmlformats.org/presentationml/2006/main">
+  <p:cSld>
+    <p:spTree>
+      <p:nvGrpSpPr>
+        <p:cNvPr id="1" name=""/>
+        <p:cNvGrpSpPr/>
+        <p:nvPr/>
+      </p:nvGrpSpPr>
+      <p:grpSpPr/>
+      <p:pic>
+        <p:nvPicPr>
+          <p:cNvPr id="4" name="图片 3" descr="basic-tutorial_02"/>
+          <p:cNvPicPr>
+            <a:picLocks noChangeAspect="1"/>
+          </p:cNvPicPr>
+          <p:nvPr/>
+        </p:nvPicPr>
+        <p:blipFill>
+          <a:blip r:embed="rId1"/>
+          <a:srcRect l="8309" t="20094" r="10431" b="19786"/>
+          <a:stretch>
+            <a:fillRect/>
+          </a:stretch>
+        </p:blipFill>
+        <p:spPr>
+          <a:xfrm>
+            <a:off x="29845" y="0"/>
+            <a:ext cx="7139940" cy="6836410"/>
           </a:xfrm>
           <a:prstGeom prst="rect">
             <a:avLst/>

--- a/chart/chart.pptx
+++ b/chart/chart.pptx
@@ -2677,7 +2677,7 @@
                 <a:latin typeface="Times New Roman" panose="02020603050405020304" charset="0"/>
                 <a:cs typeface="Times New Roman" panose="02020603050405020304" charset="0"/>
               </a:rPr>
-              <a:t>REACR result</a:t>
+              <a:t>REACT result</a:t>
             </a:r>
             <a:endParaRPr lang="en-US" altLang="zh-CN" sz="1330">
               <a:latin typeface="Times New Roman" panose="02020603050405020304" charset="0"/>
@@ -2860,6 +2860,86 @@
           </a:prstGeom>
         </p:spPr>
       </p:pic>
+      <p:sp>
+        <p:nvSpPr>
+          <p:cNvPr id="5" name="文本框 4"/>
+          <p:cNvSpPr txBox="1"/>
+          <p:nvPr/>
+        </p:nvSpPr>
+        <p:spPr>
+          <a:xfrm>
+            <a:off x="5116861" y="297"/>
+            <a:ext cx="1437769" cy="295910"/>
+          </a:xfrm>
+          <a:prstGeom prst="rect">
+            <a:avLst/>
+          </a:prstGeom>
+          <a:noFill/>
+        </p:spPr>
+        <p:txBody>
+          <a:bodyPr wrap="square" rtlCol="0">
+            <a:spAutoFit/>
+          </a:bodyPr>
+          <a:p>
+            <a:r>
+              <a:rPr lang="en-US" altLang="zh-CN" sz="1330">
+                <a:latin typeface="Times New Roman" panose="02020603050405020304" charset="0"/>
+                <a:cs typeface="Times New Roman" panose="02020603050405020304" charset="0"/>
+              </a:rPr>
+              <a:t>REACT result</a:t>
+            </a:r>
+            <a:endParaRPr lang="en-US" altLang="zh-CN" sz="1330">
+              <a:latin typeface="Times New Roman" panose="02020603050405020304" charset="0"/>
+              <a:cs typeface="Times New Roman" panose="02020603050405020304" charset="0"/>
+            </a:endParaRPr>
+          </a:p>
+        </p:txBody>
+      </p:sp>
+      <p:sp>
+        <p:nvSpPr>
+          <p:cNvPr id="6" name="矩形 5"/>
+          <p:cNvSpPr/>
+          <p:nvPr/>
+        </p:nvSpPr>
+        <p:spPr>
+          <a:xfrm>
+            <a:off x="4887595" y="39370"/>
+            <a:ext cx="229235" cy="217805"/>
+          </a:xfrm>
+          <a:prstGeom prst="rect">
+            <a:avLst/>
+          </a:prstGeom>
+          <a:solidFill>
+            <a:srgbClr val="4169A2"/>
+          </a:solidFill>
+          <a:ln>
+            <a:noFill/>
+          </a:ln>
+        </p:spPr>
+        <p:style>
+          <a:lnRef idx="2">
+            <a:schemeClr val="accent1">
+              <a:shade val="50000"/>
+            </a:schemeClr>
+          </a:lnRef>
+          <a:fillRef idx="1">
+            <a:schemeClr val="accent1"/>
+          </a:fillRef>
+          <a:effectRef idx="0">
+            <a:schemeClr val="accent1"/>
+          </a:effectRef>
+          <a:fontRef idx="minor">
+            <a:schemeClr val="lt1"/>
+          </a:fontRef>
+        </p:style>
+        <p:txBody>
+          <a:bodyPr rtlCol="0" anchor="ctr"/>
+          <a:p>
+            <a:pPr algn="ctr"/>
+            <a:endParaRPr lang="zh-CN" altLang="en-US" sz="1995"/>
+          </a:p>
+        </p:txBody>
+      </p:sp>
     </p:spTree>
   </p:cSld>
   <p:clrMapOvr>
@@ -3044,6 +3124,86 @@
           </a:prstGeom>
         </p:spPr>
       </p:pic>
+      <p:sp>
+        <p:nvSpPr>
+          <p:cNvPr id="5" name="文本框 4"/>
+          <p:cNvSpPr txBox="1"/>
+          <p:nvPr/>
+        </p:nvSpPr>
+        <p:spPr>
+          <a:xfrm>
+            <a:off x="5163851" y="297"/>
+            <a:ext cx="1437769" cy="295910"/>
+          </a:xfrm>
+          <a:prstGeom prst="rect">
+            <a:avLst/>
+          </a:prstGeom>
+          <a:noFill/>
+        </p:spPr>
+        <p:txBody>
+          <a:bodyPr wrap="square" rtlCol="0">
+            <a:spAutoFit/>
+          </a:bodyPr>
+          <a:p>
+            <a:r>
+              <a:rPr lang="en-US" altLang="zh-CN" sz="1330">
+                <a:latin typeface="Times New Roman" panose="02020603050405020304" charset="0"/>
+                <a:cs typeface="Times New Roman" panose="02020603050405020304" charset="0"/>
+              </a:rPr>
+              <a:t>REACT result</a:t>
+            </a:r>
+            <a:endParaRPr lang="en-US" altLang="zh-CN" sz="1330">
+              <a:latin typeface="Times New Roman" panose="02020603050405020304" charset="0"/>
+              <a:cs typeface="Times New Roman" panose="02020603050405020304" charset="0"/>
+            </a:endParaRPr>
+          </a:p>
+        </p:txBody>
+      </p:sp>
+      <p:sp>
+        <p:nvSpPr>
+          <p:cNvPr id="6" name="矩形 5"/>
+          <p:cNvSpPr/>
+          <p:nvPr/>
+        </p:nvSpPr>
+        <p:spPr>
+          <a:xfrm>
+            <a:off x="4934585" y="39370"/>
+            <a:ext cx="229235" cy="217805"/>
+          </a:xfrm>
+          <a:prstGeom prst="rect">
+            <a:avLst/>
+          </a:prstGeom>
+          <a:solidFill>
+            <a:srgbClr val="4169A2"/>
+          </a:solidFill>
+          <a:ln>
+            <a:noFill/>
+          </a:ln>
+        </p:spPr>
+        <p:style>
+          <a:lnRef idx="2">
+            <a:schemeClr val="accent1">
+              <a:shade val="50000"/>
+            </a:schemeClr>
+          </a:lnRef>
+          <a:fillRef idx="1">
+            <a:schemeClr val="accent1"/>
+          </a:fillRef>
+          <a:effectRef idx="0">
+            <a:schemeClr val="accent1"/>
+          </a:effectRef>
+          <a:fontRef idx="minor">
+            <a:schemeClr val="lt1"/>
+          </a:fontRef>
+        </p:style>
+        <p:txBody>
+          <a:bodyPr rtlCol="0" anchor="ctr"/>
+          <a:p>
+            <a:pPr algn="ctr"/>
+            <a:endParaRPr lang="zh-CN" altLang="en-US" sz="1995"/>
+          </a:p>
+        </p:txBody>
+      </p:sp>
     </p:spTree>
   </p:cSld>
   <p:clrMapOvr>

--- a/chart/chart.pptx
+++ b/chart/chart.pptx
@@ -2749,31 +2749,6 @@
         <p:nvPr/>
       </p:nvGrpSpPr>
       <p:grpSpPr/>
-      <p:pic>
-        <p:nvPicPr>
-          <p:cNvPr id="5" name="图片 4" descr="basic-tutorial_05"/>
-          <p:cNvPicPr>
-            <a:picLocks noChangeAspect="1"/>
-          </p:cNvPicPr>
-          <p:nvPr/>
-        </p:nvPicPr>
-        <p:blipFill>
-          <a:blip r:embed="rId1"/>
-          <a:srcRect l="10471" t="19924" r="7154" b="19563"/>
-          <a:stretch>
-            <a:fillRect/>
-          </a:stretch>
-        </p:blipFill>
-        <p:spPr>
-          <a:xfrm>
-            <a:off x="0" y="0"/>
-            <a:ext cx="7199630" cy="6844665"/>
-          </a:xfrm>
-          <a:prstGeom prst="rect">
-            <a:avLst/>
-          </a:prstGeom>
-        </p:spPr>
-      </p:pic>
     </p:spTree>
   </p:cSld>
   <p:clrMapOvr>

--- a/chart/chart.pptx
+++ b/chart/chart.pptx
@@ -12,6 +12,7 @@
     <p:sldId id="260" r:id="rId7"/>
     <p:sldId id="262" r:id="rId8"/>
     <p:sldId id="261" r:id="rId9"/>
+    <p:sldId id="264" r:id="rId10"/>
   </p:sldIdLst>
   <p:sldSz cx="7199630" cy="6839585"/>
   <p:notesSz cx="7103745" cy="10234295"/>
@@ -2361,7 +2362,7 @@
         <a:spcBef>
           <a:spcPts val="785"/>
         </a:spcBef>
-        <a:buFont typeface="Arial" panose="020B0604020202090204" pitchFamily="34" charset="0"/>
+        <a:buFont typeface="Arial" panose="020B0604020202020204" pitchFamily="34" charset="0"/>
         <a:buChar char="•"/>
         <a:defRPr sz="2205" kern="1200">
           <a:solidFill>
@@ -2379,7 +2380,7 @@
         <a:spcBef>
           <a:spcPct val="79000"/>
         </a:spcBef>
-        <a:buFont typeface="Arial" panose="020B0604020202090204" pitchFamily="34" charset="0"/>
+        <a:buFont typeface="Arial" panose="020B0604020202020204" pitchFamily="34" charset="0"/>
         <a:buChar char="•"/>
         <a:defRPr sz="1890" kern="1200">
           <a:solidFill>
@@ -2397,7 +2398,7 @@
         <a:spcBef>
           <a:spcPct val="79000"/>
         </a:spcBef>
-        <a:buFont typeface="Arial" panose="020B0604020202090204" pitchFamily="34" charset="0"/>
+        <a:buFont typeface="Arial" panose="020B0604020202020204" pitchFamily="34" charset="0"/>
         <a:buChar char="•"/>
         <a:defRPr sz="1575" kern="1200">
           <a:solidFill>
@@ -2415,7 +2416,7 @@
         <a:spcBef>
           <a:spcPct val="79000"/>
         </a:spcBef>
-        <a:buFont typeface="Arial" panose="020B0604020202090204" pitchFamily="34" charset="0"/>
+        <a:buFont typeface="Arial" panose="020B0604020202020204" pitchFamily="34" charset="0"/>
         <a:buChar char="•"/>
         <a:defRPr sz="1415" kern="1200">
           <a:solidFill>
@@ -2433,7 +2434,7 @@
         <a:spcBef>
           <a:spcPct val="79000"/>
         </a:spcBef>
-        <a:buFont typeface="Arial" panose="020B0604020202090204" pitchFamily="34" charset="0"/>
+        <a:buFont typeface="Arial" panose="020B0604020202020204" pitchFamily="34" charset="0"/>
         <a:buChar char="•"/>
         <a:defRPr sz="1415" kern="1200">
           <a:solidFill>
@@ -2451,7 +2452,7 @@
         <a:spcBef>
           <a:spcPct val="79000"/>
         </a:spcBef>
-        <a:buFont typeface="Arial" panose="020B0604020202090204" pitchFamily="34" charset="0"/>
+        <a:buFont typeface="Arial" panose="020B0604020202020204" pitchFamily="34" charset="0"/>
         <a:buChar char="•"/>
         <a:defRPr sz="1415" kern="1200">
           <a:solidFill>
@@ -2469,7 +2470,7 @@
         <a:spcBef>
           <a:spcPct val="79000"/>
         </a:spcBef>
-        <a:buFont typeface="Arial" panose="020B0604020202090204" pitchFamily="34" charset="0"/>
+        <a:buFont typeface="Arial" panose="020B0604020202020204" pitchFamily="34" charset="0"/>
         <a:buChar char="•"/>
         <a:defRPr sz="1415" kern="1200">
           <a:solidFill>
@@ -2487,7 +2488,7 @@
         <a:spcBef>
           <a:spcPct val="79000"/>
         </a:spcBef>
-        <a:buFont typeface="Arial" panose="020B0604020202090204" pitchFamily="34" charset="0"/>
+        <a:buFont typeface="Arial" panose="020B0604020202020204" pitchFamily="34" charset="0"/>
         <a:buChar char="•"/>
         <a:defRPr sz="1415" kern="1200">
           <a:solidFill>
@@ -2505,7 +2506,7 @@
         <a:spcBef>
           <a:spcPct val="79000"/>
         </a:spcBef>
-        <a:buFont typeface="Arial" panose="020B0604020202090204" pitchFamily="34" charset="0"/>
+        <a:buFont typeface="Arial" panose="020B0604020202020204" pitchFamily="34" charset="0"/>
         <a:buChar char="•"/>
         <a:defRPr sz="1415" kern="1200">
           <a:solidFill>
@@ -2749,6 +2750,31 @@
         <p:nvPr/>
       </p:nvGrpSpPr>
       <p:grpSpPr/>
+      <p:pic>
+        <p:nvPicPr>
+          <p:cNvPr id="2" name="图片 1" descr="basic-tutorial_05"/>
+          <p:cNvPicPr>
+            <a:picLocks noChangeAspect="1"/>
+          </p:cNvPicPr>
+          <p:nvPr/>
+        </p:nvPicPr>
+        <p:blipFill>
+          <a:blip r:embed="rId1"/>
+          <a:srcRect l="9805" t="19904" r="10322" b="20016"/>
+          <a:stretch>
+            <a:fillRect/>
+          </a:stretch>
+        </p:blipFill>
+        <p:spPr>
+          <a:xfrm>
+            <a:off x="107315" y="19685"/>
+            <a:ext cx="6985000" cy="6799580"/>
+          </a:xfrm>
+          <a:prstGeom prst="rect">
+            <a:avLst/>
+          </a:prstGeom>
+        </p:spPr>
+      </p:pic>
     </p:spTree>
   </p:cSld>
   <p:clrMapOvr>
@@ -2769,23 +2795,27 @@
       <p:grpSpPr/>
       <p:pic>
         <p:nvPicPr>
-          <p:cNvPr id="4" name="图片 3" descr="basic-tutorial_01"/>
+          <p:cNvPr id="2" name="图片 1" descr="basic-tutorial_01"/>
           <p:cNvPicPr>
             <a:picLocks noChangeAspect="1"/>
           </p:cNvPicPr>
-          <p:nvPr/>
+          <p:nvPr>
+            <p:custDataLst>
+              <p:tags r:id="rId1"/>
+            </p:custDataLst>
+          </p:nvPr>
         </p:nvPicPr>
         <p:blipFill>
-          <a:blip r:embed="rId1"/>
-          <a:srcRect l="10810" t="20032" r="10810" b="19893"/>
+          <a:blip r:embed="rId2"/>
+          <a:srcRect l="11247" t="19903" r="11283" b="19905"/>
           <a:stretch>
             <a:fillRect/>
           </a:stretch>
         </p:blipFill>
         <p:spPr>
           <a:xfrm>
-            <a:off x="157480" y="0"/>
-            <a:ext cx="6884670" cy="6828790"/>
+            <a:off x="210185" y="11430"/>
+            <a:ext cx="6779260" cy="6816725"/>
           </a:xfrm>
           <a:prstGeom prst="rect">
             <a:avLst/>
@@ -2812,7 +2842,7 @@
       <p:grpSpPr/>
       <p:pic>
         <p:nvPicPr>
-          <p:cNvPr id="4" name="图片 3" descr="basic-tutorial_03"/>
+          <p:cNvPr id="2" name="图片 1" descr="basic-tutorial_03"/>
           <p:cNvPicPr>
             <a:picLocks noChangeAspect="1"/>
           </p:cNvPicPr>
@@ -2820,15 +2850,15 @@
         </p:nvPicPr>
         <p:blipFill>
           <a:blip r:embed="rId1"/>
-          <a:srcRect l="10152" t="20053" r="8530" b="19929"/>
+          <a:srcRect l="11728" t="19573" r="11920" b="19582"/>
           <a:stretch>
             <a:fillRect/>
           </a:stretch>
         </p:blipFill>
         <p:spPr>
           <a:xfrm>
-            <a:off x="22225" y="0"/>
-            <a:ext cx="7154545" cy="6833870"/>
+            <a:off x="281940" y="-5080"/>
+            <a:ext cx="6636385" cy="6844665"/>
           </a:xfrm>
           <a:prstGeom prst="rect">
             <a:avLst/>
@@ -2935,7 +2965,7 @@
       <p:grpSpPr/>
       <p:pic>
         <p:nvPicPr>
-          <p:cNvPr id="4" name="图片 3" descr="basic-tutorial_06"/>
+          <p:cNvPr id="5" name="图片 4"/>
           <p:cNvPicPr>
             <a:picLocks noChangeAspect="1"/>
           </p:cNvPicPr>
@@ -2943,31 +2973,6 @@
         </p:nvPicPr>
         <p:blipFill>
           <a:blip r:embed="rId1"/>
-          <a:srcRect l="12912" t="21257" r="4941" b="18641"/>
-          <a:stretch>
-            <a:fillRect/>
-          </a:stretch>
-        </p:blipFill>
-        <p:spPr>
-          <a:xfrm>
-            <a:off x="180975" y="527050"/>
-            <a:ext cx="6838315" cy="6312535"/>
-          </a:xfrm>
-          <a:prstGeom prst="rect">
-            <a:avLst/>
-          </a:prstGeom>
-        </p:spPr>
-      </p:pic>
-      <p:pic>
-        <p:nvPicPr>
-          <p:cNvPr id="5" name="图片 4"/>
-          <p:cNvPicPr>
-            <a:picLocks noChangeAspect="1"/>
-          </p:cNvPicPr>
-          <p:nvPr/>
-        </p:nvPicPr>
-        <p:blipFill>
-          <a:blip r:embed="rId2"/>
           <a:stretch>
             <a:fillRect/>
           </a:stretch>
@@ -3056,6 +3061,31 @@
           </a:p>
         </p:txBody>
       </p:sp>
+      <p:pic>
+        <p:nvPicPr>
+          <p:cNvPr id="2" name="图片 1" descr="basic-tutorial_06"/>
+          <p:cNvPicPr>
+            <a:picLocks noChangeAspect="1"/>
+          </p:cNvPicPr>
+          <p:nvPr/>
+        </p:nvPicPr>
+        <p:blipFill>
+          <a:blip r:embed="rId2"/>
+          <a:srcRect l="13014" t="17094" r="12725" b="17967"/>
+          <a:stretch>
+            <a:fillRect/>
+          </a:stretch>
+        </p:blipFill>
+        <p:spPr>
+          <a:xfrm>
+            <a:off x="731520" y="370205"/>
+            <a:ext cx="5735955" cy="6491605"/>
+          </a:xfrm>
+          <a:prstGeom prst="rect">
+            <a:avLst/>
+          </a:prstGeom>
+        </p:spPr>
+      </p:pic>
     </p:spTree>
   </p:cSld>
   <p:clrMapOvr>
@@ -3076,7 +3106,7 @@
       <p:grpSpPr/>
       <p:pic>
         <p:nvPicPr>
-          <p:cNvPr id="4" name="图片 3" descr="basic-tutorial_04"/>
+          <p:cNvPr id="2" name="图片 1" descr="basic-tutorial_04"/>
           <p:cNvPicPr>
             <a:picLocks noChangeAspect="1"/>
           </p:cNvPicPr>
@@ -3084,15 +3114,15 @@
         </p:nvPicPr>
         <p:blipFill>
           <a:blip r:embed="rId1"/>
-          <a:srcRect l="10641" t="20017" r="10431" b="19944"/>
+          <a:srcRect l="11091" t="19999" r="11440" b="19852"/>
           <a:stretch>
             <a:fillRect/>
           </a:stretch>
         </p:blipFill>
         <p:spPr>
           <a:xfrm>
-            <a:off x="132715" y="0"/>
-            <a:ext cx="6934200" cy="6826250"/>
+            <a:off x="214630" y="39370"/>
+            <a:ext cx="6770370" cy="6802755"/>
           </a:xfrm>
           <a:prstGeom prst="rect">
             <a:avLst/>
@@ -3199,7 +3229,7 @@
       <p:grpSpPr/>
       <p:pic>
         <p:nvPicPr>
-          <p:cNvPr id="4" name="图片 3" descr="basic-tutorial_02"/>
+          <p:cNvPr id="3" name="图片 2" descr="basic-tutorial_02"/>
           <p:cNvPicPr>
             <a:picLocks noChangeAspect="1"/>
           </p:cNvPicPr>
@@ -3207,15 +3237,15 @@
         </p:nvPicPr>
         <p:blipFill>
           <a:blip r:embed="rId1"/>
-          <a:srcRect l="8309" t="20094" r="10431" b="19786"/>
+          <a:srcRect l="11096" t="20196" r="10899" b="20062"/>
           <a:stretch>
             <a:fillRect/>
           </a:stretch>
         </p:blipFill>
         <p:spPr>
           <a:xfrm>
-            <a:off x="29845" y="0"/>
-            <a:ext cx="7139940" cy="6836410"/>
+            <a:off x="120650" y="6350"/>
+            <a:ext cx="6957695" cy="6833235"/>
           </a:xfrm>
           <a:prstGeom prst="rect">
             <a:avLst/>
@@ -3228,6 +3258,295 @@
     <a:masterClrMapping/>
   </p:clrMapOvr>
 </p:sld>
+</file>
+
+<file path=ppt/slides/slide8.xml><?xml version="1.0" encoding="utf-8"?>
+<p:sld xmlns:a="http://schemas.openxmlformats.org/drawingml/2006/main" xmlns:r="http://schemas.openxmlformats.org/officeDocument/2006/relationships" xmlns:p="http://schemas.openxmlformats.org/presentationml/2006/main">
+  <p:cSld>
+    <p:spTree>
+      <p:nvGrpSpPr>
+        <p:cNvPr id="1" name=""/>
+        <p:cNvGrpSpPr/>
+        <p:nvPr/>
+      </p:nvGrpSpPr>
+      <p:grpSpPr/>
+      <p:pic>
+        <p:nvPicPr>
+          <p:cNvPr id="2" name="图片 1" descr="basic-tutorial_07"/>
+          <p:cNvPicPr>
+            <a:picLocks noChangeAspect="1"/>
+          </p:cNvPicPr>
+          <p:nvPr/>
+        </p:nvPicPr>
+        <p:blipFill>
+          <a:blip r:embed="rId1"/>
+          <a:srcRect l="11728" t="8171" r="13374" b="32711"/>
+          <a:stretch>
+            <a:fillRect/>
+          </a:stretch>
+        </p:blipFill>
+        <p:spPr>
+          <a:xfrm>
+            <a:off x="252095" y="0"/>
+            <a:ext cx="6694805" cy="6838950"/>
+          </a:xfrm>
+          <a:prstGeom prst="rect">
+            <a:avLst/>
+          </a:prstGeom>
+        </p:spPr>
+      </p:pic>
+      <p:sp>
+        <p:nvSpPr>
+          <p:cNvPr id="5" name="文本框 4"/>
+          <p:cNvSpPr txBox="1"/>
+          <p:nvPr/>
+        </p:nvSpPr>
+        <p:spPr>
+          <a:xfrm>
+            <a:off x="5163851" y="297"/>
+            <a:ext cx="1437769" cy="295910"/>
+          </a:xfrm>
+          <a:prstGeom prst="rect">
+            <a:avLst/>
+          </a:prstGeom>
+          <a:noFill/>
+        </p:spPr>
+        <p:txBody>
+          <a:bodyPr wrap="square" rtlCol="0">
+            <a:spAutoFit/>
+          </a:bodyPr>
+          <a:p>
+            <a:r>
+              <a:rPr lang="en-US" altLang="zh-CN" sz="1330">
+                <a:latin typeface="Times New Roman" panose="02020603050405020304" charset="0"/>
+                <a:cs typeface="Times New Roman" panose="02020603050405020304" charset="0"/>
+              </a:rPr>
+              <a:t>REACT result</a:t>
+            </a:r>
+            <a:endParaRPr lang="en-US" altLang="zh-CN" sz="1330">
+              <a:latin typeface="Times New Roman" panose="02020603050405020304" charset="0"/>
+              <a:cs typeface="Times New Roman" panose="02020603050405020304" charset="0"/>
+            </a:endParaRPr>
+          </a:p>
+        </p:txBody>
+      </p:sp>
+      <p:sp>
+        <p:nvSpPr>
+          <p:cNvPr id="6" name="矩形 5"/>
+          <p:cNvSpPr/>
+          <p:nvPr/>
+        </p:nvSpPr>
+        <p:spPr>
+          <a:xfrm>
+            <a:off x="4934585" y="39370"/>
+            <a:ext cx="229235" cy="217805"/>
+          </a:xfrm>
+          <a:prstGeom prst="rect">
+            <a:avLst/>
+          </a:prstGeom>
+          <a:solidFill>
+            <a:srgbClr val="FF0000"/>
+          </a:solidFill>
+          <a:ln>
+            <a:noFill/>
+          </a:ln>
+        </p:spPr>
+        <p:style>
+          <a:lnRef idx="2">
+            <a:schemeClr val="accent1">
+              <a:shade val="50000"/>
+            </a:schemeClr>
+          </a:lnRef>
+          <a:fillRef idx="1">
+            <a:schemeClr val="accent1"/>
+          </a:fillRef>
+          <a:effectRef idx="0">
+            <a:schemeClr val="accent1"/>
+          </a:effectRef>
+          <a:fontRef idx="minor">
+            <a:schemeClr val="lt1"/>
+          </a:fontRef>
+        </p:style>
+        <p:txBody>
+          <a:bodyPr rtlCol="0" anchor="ctr"/>
+          <a:p>
+            <a:pPr algn="ctr"/>
+            <a:endParaRPr lang="zh-CN" altLang="en-US" sz="1995"/>
+          </a:p>
+        </p:txBody>
+      </p:sp>
+      <p:sp>
+        <p:nvSpPr>
+          <p:cNvPr id="4" name="文本框 3"/>
+          <p:cNvSpPr txBox="1"/>
+          <p:nvPr/>
+        </p:nvSpPr>
+        <p:spPr>
+          <a:xfrm>
+            <a:off x="2936875" y="39370"/>
+            <a:ext cx="1997710" cy="295910"/>
+          </a:xfrm>
+          <a:prstGeom prst="rect">
+            <a:avLst/>
+          </a:prstGeom>
+          <a:noFill/>
+        </p:spPr>
+        <p:txBody>
+          <a:bodyPr wrap="square" rtlCol="0">
+            <a:spAutoFit/>
+          </a:bodyPr>
+          <a:p>
+            <a:r>
+              <a:rPr lang="en-US" altLang="zh-CN" sz="1330">
+                <a:latin typeface="Times New Roman" panose="02020603050405020304" charset="0"/>
+                <a:cs typeface="Times New Roman" panose="02020603050405020304" charset="0"/>
+              </a:rPr>
+              <a:t>simulated from death data</a:t>
+            </a:r>
+            <a:endParaRPr lang="en-US" altLang="zh-CN" sz="1330">
+              <a:latin typeface="Times New Roman" panose="02020603050405020304" charset="0"/>
+              <a:cs typeface="Times New Roman" panose="02020603050405020304" charset="0"/>
+            </a:endParaRPr>
+          </a:p>
+        </p:txBody>
+      </p:sp>
+      <p:sp>
+        <p:nvSpPr>
+          <p:cNvPr id="7" name="矩形 6"/>
+          <p:cNvSpPr/>
+          <p:nvPr/>
+        </p:nvSpPr>
+        <p:spPr>
+          <a:xfrm>
+            <a:off x="2707640" y="78105"/>
+            <a:ext cx="229235" cy="217805"/>
+          </a:xfrm>
+          <a:prstGeom prst="rect">
+            <a:avLst/>
+          </a:prstGeom>
+          <a:solidFill>
+            <a:srgbClr val="4169A2"/>
+          </a:solidFill>
+          <a:ln>
+            <a:noFill/>
+          </a:ln>
+        </p:spPr>
+        <p:style>
+          <a:lnRef idx="2">
+            <a:schemeClr val="accent1">
+              <a:shade val="50000"/>
+            </a:schemeClr>
+          </a:lnRef>
+          <a:fillRef idx="1">
+            <a:schemeClr val="accent1"/>
+          </a:fillRef>
+          <a:effectRef idx="0">
+            <a:schemeClr val="accent1"/>
+          </a:effectRef>
+          <a:fontRef idx="minor">
+            <a:schemeClr val="lt1"/>
+          </a:fontRef>
+        </p:style>
+        <p:txBody>
+          <a:bodyPr rtlCol="0" anchor="ctr"/>
+          <a:p>
+            <a:pPr algn="ctr"/>
+            <a:endParaRPr lang="zh-CN" altLang="en-US" sz="1995"/>
+          </a:p>
+        </p:txBody>
+      </p:sp>
+      <p:sp>
+        <p:nvSpPr>
+          <p:cNvPr id="8" name="文本框 7"/>
+          <p:cNvSpPr txBox="1"/>
+          <p:nvPr/>
+        </p:nvSpPr>
+        <p:spPr>
+          <a:xfrm>
+            <a:off x="709930" y="38735"/>
+            <a:ext cx="1997710" cy="295910"/>
+          </a:xfrm>
+          <a:prstGeom prst="rect">
+            <a:avLst/>
+          </a:prstGeom>
+          <a:noFill/>
+        </p:spPr>
+        <p:txBody>
+          <a:bodyPr wrap="square" rtlCol="0">
+            <a:spAutoFit/>
+          </a:bodyPr>
+          <a:p>
+            <a:r>
+              <a:rPr lang="en-US" altLang="zh-CN" sz="1330">
+                <a:latin typeface="Times New Roman" panose="02020603050405020304" charset="0"/>
+                <a:cs typeface="Times New Roman" panose="02020603050405020304" charset="0"/>
+              </a:rPr>
+              <a:t>simulated from beds data</a:t>
+            </a:r>
+            <a:endParaRPr lang="en-US" altLang="zh-CN" sz="1330">
+              <a:latin typeface="Times New Roman" panose="02020603050405020304" charset="0"/>
+              <a:cs typeface="Times New Roman" panose="02020603050405020304" charset="0"/>
+            </a:endParaRPr>
+          </a:p>
+        </p:txBody>
+      </p:sp>
+      <p:sp>
+        <p:nvSpPr>
+          <p:cNvPr id="9" name="矩形 8"/>
+          <p:cNvSpPr/>
+          <p:nvPr/>
+        </p:nvSpPr>
+        <p:spPr>
+          <a:xfrm>
+            <a:off x="480695" y="77470"/>
+            <a:ext cx="229235" cy="217805"/>
+          </a:xfrm>
+          <a:prstGeom prst="rect">
+            <a:avLst/>
+          </a:prstGeom>
+          <a:solidFill>
+            <a:srgbClr val="B1D4C0"/>
+          </a:solidFill>
+          <a:ln>
+            <a:noFill/>
+          </a:ln>
+        </p:spPr>
+        <p:style>
+          <a:lnRef idx="2">
+            <a:schemeClr val="accent1">
+              <a:shade val="50000"/>
+            </a:schemeClr>
+          </a:lnRef>
+          <a:fillRef idx="1">
+            <a:schemeClr val="accent1"/>
+          </a:fillRef>
+          <a:effectRef idx="0">
+            <a:schemeClr val="accent1"/>
+          </a:effectRef>
+          <a:fontRef idx="minor">
+            <a:schemeClr val="lt1"/>
+          </a:fontRef>
+        </p:style>
+        <p:txBody>
+          <a:bodyPr rtlCol="0" anchor="ctr"/>
+          <a:p>
+            <a:pPr algn="ctr"/>
+            <a:endParaRPr lang="zh-CN" altLang="en-US" sz="1995"/>
+          </a:p>
+        </p:txBody>
+      </p:sp>
+    </p:spTree>
+  </p:cSld>
+  <p:clrMapOvr>
+    <a:masterClrMapping/>
+  </p:clrMapOvr>
+</p:sld>
+</file>
+
+<file path=ppt/tags/tag1.xml><?xml version="1.0" encoding="utf-8"?>
+<p:tagLst xmlns:p="http://schemas.openxmlformats.org/presentationml/2006/main">
+  <p:tag name="KSO_WM_UNIT_PLACING_PICTURE_USER_VIEWPORT" val="{&quot;height&quot;:10770,&quot;width&quot;:8322}"/>
+</p:tagLst>
 </file>
 
 <file path=ppt/theme/theme1.xml><?xml version="1.0" encoding="utf-8"?>

--- a/chart/chart.pptx
+++ b/chart/chart.pptx
@@ -13,6 +13,7 @@
     <p:sldId id="262" r:id="rId8"/>
     <p:sldId id="261" r:id="rId9"/>
     <p:sldId id="264" r:id="rId10"/>
+    <p:sldId id="266" r:id="rId11"/>
   </p:sldIdLst>
   <p:sldSz cx="7199630" cy="6839585"/>
   <p:notesSz cx="7103745" cy="10234295"/>
@@ -2637,15 +2638,15 @@
         </p:nvPicPr>
         <p:blipFill>
           <a:blip r:embed="rId1"/>
-          <a:srcRect l="10690" t="8861" r="5609" b="30041"/>
+          <a:srcRect l="11517" t="8861" r="11559" b="30868"/>
           <a:stretch>
             <a:fillRect/>
           </a:stretch>
         </p:blipFill>
         <p:spPr>
           <a:xfrm>
-            <a:off x="0" y="0"/>
-            <a:ext cx="7200265" cy="6802120"/>
+            <a:off x="229870" y="0"/>
+            <a:ext cx="6739890" cy="6834505"/>
           </a:xfrm>
           <a:prstGeom prst="rect">
             <a:avLst/>
@@ -2660,7 +2661,7 @@
         </p:nvSpPr>
         <p:spPr>
           <a:xfrm>
-            <a:off x="4923186" y="297"/>
+            <a:off x="5128291" y="932"/>
             <a:ext cx="1437769" cy="295910"/>
           </a:xfrm>
           <a:prstGeom prst="rect">
@@ -2695,7 +2696,7 @@
         </p:nvSpPr>
         <p:spPr>
           <a:xfrm>
-            <a:off x="4693920" y="39370"/>
+            <a:off x="4899025" y="39370"/>
             <a:ext cx="229235" cy="217805"/>
           </a:xfrm>
           <a:prstGeom prst="rect">
@@ -3086,6 +3087,30 @@
           </a:prstGeom>
         </p:spPr>
       </p:pic>
+      <p:pic>
+        <p:nvPicPr>
+          <p:cNvPr id="3" name="图片 2" descr="chart_05"/>
+          <p:cNvPicPr>
+            <a:picLocks noChangeAspect="1"/>
+          </p:cNvPicPr>
+          <p:nvPr/>
+        </p:nvPicPr>
+        <p:blipFill>
+          <a:blip r:embed="rId3"/>
+          <a:stretch>
+            <a:fillRect/>
+          </a:stretch>
+        </p:blipFill>
+        <p:spPr>
+          <a:xfrm>
+            <a:off x="635" y="0"/>
+            <a:ext cx="7197725" cy="6838950"/>
+          </a:xfrm>
+          <a:prstGeom prst="rect">
+            <a:avLst/>
+          </a:prstGeom>
+        </p:spPr>
+      </p:pic>
     </p:spTree>
   </p:cSld>
   <p:clrMapOvr>
@@ -3272,7 +3297,7 @@
       <p:grpSpPr/>
       <p:pic>
         <p:nvPicPr>
-          <p:cNvPr id="2" name="图片 1" descr="basic-tutorial_07"/>
+          <p:cNvPr id="3" name="图片 2" descr="basic-tutorial_06"/>
           <p:cNvPicPr>
             <a:picLocks noChangeAspect="1"/>
           </p:cNvPicPr>
@@ -3280,15 +3305,15 @@
         </p:nvPicPr>
         <p:blipFill>
           <a:blip r:embed="rId1"/>
-          <a:srcRect l="11728" t="8171" r="13374" b="32711"/>
+          <a:srcRect l="11416" t="20057" r="11920" b="19913"/>
           <a:stretch>
             <a:fillRect/>
           </a:stretch>
         </p:blipFill>
         <p:spPr>
           <a:xfrm>
-            <a:off x="252095" y="0"/>
-            <a:ext cx="6694805" cy="6838950"/>
+            <a:off x="238760" y="0"/>
+            <a:ext cx="6722745" cy="6812915"/>
           </a:xfrm>
           <a:prstGeom prst="rect">
             <a:avLst/>
@@ -3303,7 +3328,7 @@
         </p:nvSpPr>
         <p:spPr>
           <a:xfrm>
-            <a:off x="5163851" y="297"/>
+            <a:off x="5655341" y="932"/>
             <a:ext cx="1437769" cy="295910"/>
           </a:xfrm>
           <a:prstGeom prst="rect">
@@ -3338,8 +3363,8 @@
         </p:nvSpPr>
         <p:spPr>
           <a:xfrm>
-            <a:off x="4934585" y="39370"/>
-            <a:ext cx="229235" cy="217805"/>
+            <a:off x="5426075" y="635"/>
+            <a:ext cx="229235" cy="207645"/>
           </a:xfrm>
           <a:prstGeom prst="rect">
             <a:avLst/>
@@ -3375,16 +3400,59 @@
           </a:p>
         </p:txBody>
       </p:sp>
-      <p:sp>
-        <p:nvSpPr>
-          <p:cNvPr id="4" name="文本框 3"/>
+    </p:spTree>
+  </p:cSld>
+  <p:clrMapOvr>
+    <a:masterClrMapping/>
+  </p:clrMapOvr>
+</p:sld>
+</file>
+
+<file path=ppt/slides/slide9.xml><?xml version="1.0" encoding="utf-8"?>
+<p:sld xmlns:a="http://schemas.openxmlformats.org/drawingml/2006/main" xmlns:r="http://schemas.openxmlformats.org/officeDocument/2006/relationships" xmlns:p="http://schemas.openxmlformats.org/presentationml/2006/main">
+  <p:cSld>
+    <p:spTree>
+      <p:nvGrpSpPr>
+        <p:cNvPr id="1" name=""/>
+        <p:cNvGrpSpPr/>
+        <p:nvPr/>
+      </p:nvGrpSpPr>
+      <p:grpSpPr/>
+      <p:pic>
+        <p:nvPicPr>
+          <p:cNvPr id="2" name="图片 1" descr="basic-tutorial_07"/>
+          <p:cNvPicPr>
+            <a:picLocks noChangeAspect="1"/>
+          </p:cNvPicPr>
+          <p:nvPr/>
+        </p:nvPicPr>
+        <p:blipFill>
+          <a:blip r:embed="rId1"/>
+          <a:srcRect l="9721" t="20028" r="11560" b="19909"/>
+          <a:stretch>
+            <a:fillRect/>
+          </a:stretch>
+        </p:blipFill>
+        <p:spPr>
+          <a:xfrm>
+            <a:off x="136525" y="-635"/>
+            <a:ext cx="6925945" cy="6840220"/>
+          </a:xfrm>
+          <a:prstGeom prst="rect">
+            <a:avLst/>
+          </a:prstGeom>
+        </p:spPr>
+      </p:pic>
+      <p:sp>
+        <p:nvSpPr>
+          <p:cNvPr id="5" name="文本框 4"/>
           <p:cNvSpPr txBox="1"/>
           <p:nvPr/>
         </p:nvSpPr>
         <p:spPr>
           <a:xfrm>
-            <a:off x="2936875" y="39370"/>
-            <a:ext cx="1997710" cy="295910"/>
+            <a:off x="5655341" y="932"/>
+            <a:ext cx="1437769" cy="295910"/>
           </a:xfrm>
           <a:prstGeom prst="rect">
             <a:avLst/>
@@ -3401,7 +3469,7 @@
                 <a:latin typeface="Times New Roman" panose="02020603050405020304" charset="0"/>
                 <a:cs typeface="Times New Roman" panose="02020603050405020304" charset="0"/>
               </a:rPr>
-              <a:t>simulated from death data</a:t>
+              <a:t>REACT result</a:t>
             </a:r>
             <a:endParaRPr lang="en-US" altLang="zh-CN" sz="1330">
               <a:latin typeface="Times New Roman" panose="02020603050405020304" charset="0"/>
@@ -3412,100 +3480,20 @@
       </p:sp>
       <p:sp>
         <p:nvSpPr>
-          <p:cNvPr id="7" name="矩形 6"/>
+          <p:cNvPr id="6" name="矩形 5"/>
           <p:cNvSpPr/>
           <p:nvPr/>
         </p:nvSpPr>
         <p:spPr>
           <a:xfrm>
-            <a:off x="2707640" y="78105"/>
-            <a:ext cx="229235" cy="217805"/>
+            <a:off x="5426075" y="635"/>
+            <a:ext cx="229235" cy="207645"/>
           </a:xfrm>
           <a:prstGeom prst="rect">
             <a:avLst/>
           </a:prstGeom>
           <a:solidFill>
-            <a:srgbClr val="4169A2"/>
-          </a:solidFill>
-          <a:ln>
-            <a:noFill/>
-          </a:ln>
-        </p:spPr>
-        <p:style>
-          <a:lnRef idx="2">
-            <a:schemeClr val="accent1">
-              <a:shade val="50000"/>
-            </a:schemeClr>
-          </a:lnRef>
-          <a:fillRef idx="1">
-            <a:schemeClr val="accent1"/>
-          </a:fillRef>
-          <a:effectRef idx="0">
-            <a:schemeClr val="accent1"/>
-          </a:effectRef>
-          <a:fontRef idx="minor">
-            <a:schemeClr val="lt1"/>
-          </a:fontRef>
-        </p:style>
-        <p:txBody>
-          <a:bodyPr rtlCol="0" anchor="ctr"/>
-          <a:p>
-            <a:pPr algn="ctr"/>
-            <a:endParaRPr lang="zh-CN" altLang="en-US" sz="1995"/>
-          </a:p>
-        </p:txBody>
-      </p:sp>
-      <p:sp>
-        <p:nvSpPr>
-          <p:cNvPr id="8" name="文本框 7"/>
-          <p:cNvSpPr txBox="1"/>
-          <p:nvPr/>
-        </p:nvSpPr>
-        <p:spPr>
-          <a:xfrm>
-            <a:off x="709930" y="38735"/>
-            <a:ext cx="1997710" cy="295910"/>
-          </a:xfrm>
-          <a:prstGeom prst="rect">
-            <a:avLst/>
-          </a:prstGeom>
-          <a:noFill/>
-        </p:spPr>
-        <p:txBody>
-          <a:bodyPr wrap="square" rtlCol="0">
-            <a:spAutoFit/>
-          </a:bodyPr>
-          <a:p>
-            <a:r>
-              <a:rPr lang="en-US" altLang="zh-CN" sz="1330">
-                <a:latin typeface="Times New Roman" panose="02020603050405020304" charset="0"/>
-                <a:cs typeface="Times New Roman" panose="02020603050405020304" charset="0"/>
-              </a:rPr>
-              <a:t>simulated from beds data</a:t>
-            </a:r>
-            <a:endParaRPr lang="en-US" altLang="zh-CN" sz="1330">
-              <a:latin typeface="Times New Roman" panose="02020603050405020304" charset="0"/>
-              <a:cs typeface="Times New Roman" panose="02020603050405020304" charset="0"/>
-            </a:endParaRPr>
-          </a:p>
-        </p:txBody>
-      </p:sp>
-      <p:sp>
-        <p:nvSpPr>
-          <p:cNvPr id="9" name="矩形 8"/>
-          <p:cNvSpPr/>
-          <p:nvPr/>
-        </p:nvSpPr>
-        <p:spPr>
-          <a:xfrm>
-            <a:off x="480695" y="77470"/>
-            <a:ext cx="229235" cy="217805"/>
-          </a:xfrm>
-          <a:prstGeom prst="rect">
-            <a:avLst/>
-          </a:prstGeom>
-          <a:solidFill>
-            <a:srgbClr val="B1D4C0"/>
+            <a:srgbClr val="FF0000"/>
           </a:solidFill>
           <a:ln>
             <a:noFill/>

--- a/chart/chart.pptx
+++ b/chart/chart.pptx
@@ -13,7 +13,7 @@
     <p:sldId id="262" r:id="rId8"/>
     <p:sldId id="261" r:id="rId9"/>
     <p:sldId id="264" r:id="rId10"/>
-    <p:sldId id="266" r:id="rId11"/>
+    <p:sldId id="267" r:id="rId11"/>
   </p:sldIdLst>
   <p:sldSz cx="7199630" cy="6839585"/>
   <p:notesSz cx="7103745" cy="10234295"/>
@@ -2630,7 +2630,7 @@
       <p:grpSpPr/>
       <p:pic>
         <p:nvPicPr>
-          <p:cNvPr id="7" name="图片 6" descr="basic-tutorial_00"/>
+          <p:cNvPr id="2" name="图片 1" descr="basic-tutorial_00"/>
           <p:cNvPicPr>
             <a:picLocks noChangeAspect="1"/>
           </p:cNvPicPr>
@@ -2638,15 +2638,15 @@
         </p:nvPicPr>
         <p:blipFill>
           <a:blip r:embed="rId1"/>
-          <a:srcRect l="11517" t="8861" r="11559" b="30868"/>
+          <a:srcRect l="11416" t="9097" r="11608" b="30775"/>
           <a:stretch>
             <a:fillRect/>
           </a:stretch>
         </p:blipFill>
         <p:spPr>
           <a:xfrm>
-            <a:off x="229870" y="0"/>
-            <a:ext cx="6739890" cy="6834505"/>
+            <a:off x="217170" y="0"/>
+            <a:ext cx="6765290" cy="6838950"/>
           </a:xfrm>
           <a:prstGeom prst="rect">
             <a:avLst/>
@@ -2661,7 +2661,7 @@
         </p:nvSpPr>
         <p:spPr>
           <a:xfrm>
-            <a:off x="5128291" y="932"/>
+            <a:off x="5128291" y="-38438"/>
             <a:ext cx="1437769" cy="295910"/>
           </a:xfrm>
           <a:prstGeom prst="rect">
@@ -2696,7 +2696,7 @@
         </p:nvSpPr>
         <p:spPr>
           <a:xfrm>
-            <a:off x="4899025" y="39370"/>
+            <a:off x="4899025" y="0"/>
             <a:ext cx="229235" cy="217805"/>
           </a:xfrm>
           <a:prstGeom prst="rect">
@@ -2916,7 +2916,7 @@
             <a:avLst/>
           </a:prstGeom>
           <a:solidFill>
-            <a:srgbClr val="4169A2"/>
+            <a:srgbClr val="4169E1"/>
           </a:solidFill>
           <a:ln>
             <a:noFill/>
@@ -2966,6 +2966,31 @@
       <p:grpSpPr/>
       <p:pic>
         <p:nvPicPr>
+          <p:cNvPr id="4" name="图片 3" descr="basic-tutorial_06"/>
+          <p:cNvPicPr>
+            <a:picLocks noChangeAspect="1"/>
+          </p:cNvPicPr>
+          <p:nvPr/>
+        </p:nvPicPr>
+        <p:blipFill>
+          <a:blip r:embed="rId1"/>
+          <a:srcRect l="12206" t="20625" r="13637" b="18466"/>
+          <a:stretch>
+            <a:fillRect/>
+          </a:stretch>
+        </p:blipFill>
+        <p:spPr>
+          <a:xfrm>
+            <a:off x="260985" y="247015"/>
+            <a:ext cx="6677660" cy="6592570"/>
+          </a:xfrm>
+          <a:prstGeom prst="rect">
+            <a:avLst/>
+          </a:prstGeom>
+        </p:spPr>
+      </p:pic>
+      <p:pic>
+        <p:nvPicPr>
           <p:cNvPr id="5" name="图片 4"/>
           <p:cNvPicPr>
             <a:picLocks noChangeAspect="1"/>
@@ -2973,14 +2998,14 @@
           <p:nvPr/>
         </p:nvPicPr>
         <p:blipFill>
-          <a:blip r:embed="rId1"/>
+          <a:blip r:embed="rId2"/>
           <a:stretch>
             <a:fillRect/>
           </a:stretch>
         </p:blipFill>
         <p:spPr>
           <a:xfrm>
-            <a:off x="1495425" y="105410"/>
+            <a:off x="1475105" y="0"/>
             <a:ext cx="3170555" cy="285115"/>
           </a:xfrm>
           <a:prstGeom prst="rect">
@@ -2996,7 +3021,7 @@
         </p:nvSpPr>
         <p:spPr>
           <a:xfrm>
-            <a:off x="4665980" y="149225"/>
+            <a:off x="4665980" y="43815"/>
             <a:ext cx="190500" cy="197485"/>
           </a:xfrm>
           <a:prstGeom prst="rect">
@@ -3041,7 +3066,7 @@
         </p:nvSpPr>
         <p:spPr>
           <a:xfrm>
-            <a:off x="4876800" y="125095"/>
+            <a:off x="4856480" y="20320"/>
             <a:ext cx="789940" cy="245110"/>
           </a:xfrm>
           <a:prstGeom prst="rect">
@@ -3062,55 +3087,6 @@
           </a:p>
         </p:txBody>
       </p:sp>
-      <p:pic>
-        <p:nvPicPr>
-          <p:cNvPr id="2" name="图片 1" descr="basic-tutorial_06"/>
-          <p:cNvPicPr>
-            <a:picLocks noChangeAspect="1"/>
-          </p:cNvPicPr>
-          <p:nvPr/>
-        </p:nvPicPr>
-        <p:blipFill>
-          <a:blip r:embed="rId2"/>
-          <a:srcRect l="13014" t="17094" r="12725" b="17967"/>
-          <a:stretch>
-            <a:fillRect/>
-          </a:stretch>
-        </p:blipFill>
-        <p:spPr>
-          <a:xfrm>
-            <a:off x="731520" y="370205"/>
-            <a:ext cx="5735955" cy="6491605"/>
-          </a:xfrm>
-          <a:prstGeom prst="rect">
-            <a:avLst/>
-          </a:prstGeom>
-        </p:spPr>
-      </p:pic>
-      <p:pic>
-        <p:nvPicPr>
-          <p:cNvPr id="3" name="图片 2" descr="chart_05"/>
-          <p:cNvPicPr>
-            <a:picLocks noChangeAspect="1"/>
-          </p:cNvPicPr>
-          <p:nvPr/>
-        </p:nvPicPr>
-        <p:blipFill>
-          <a:blip r:embed="rId3"/>
-          <a:stretch>
-            <a:fillRect/>
-          </a:stretch>
-        </p:blipFill>
-        <p:spPr>
-          <a:xfrm>
-            <a:off x="635" y="0"/>
-            <a:ext cx="7197725" cy="6838950"/>
-          </a:xfrm>
-          <a:prstGeom prst="rect">
-            <a:avLst/>
-          </a:prstGeom>
-        </p:spPr>
-      </p:pic>
     </p:spTree>
   </p:cSld>
   <p:clrMapOvr>
@@ -3131,7 +3107,7 @@
       <p:grpSpPr/>
       <p:pic>
         <p:nvPicPr>
-          <p:cNvPr id="2" name="图片 1" descr="basic-tutorial_04"/>
+          <p:cNvPr id="3" name="图片 2" descr="basic-tutorial_04"/>
           <p:cNvPicPr>
             <a:picLocks noChangeAspect="1"/>
           </p:cNvPicPr>
@@ -3139,15 +3115,15 @@
         </p:nvPicPr>
         <p:blipFill>
           <a:blip r:embed="rId1"/>
-          <a:srcRect l="11091" t="19999" r="11440" b="19852"/>
+          <a:srcRect l="11271" t="19759" r="11367" b="19936"/>
           <a:stretch>
             <a:fillRect/>
           </a:stretch>
         </p:blipFill>
         <p:spPr>
           <a:xfrm>
-            <a:off x="214630" y="39370"/>
-            <a:ext cx="6770370" cy="6802755"/>
+            <a:off x="0" y="0"/>
+            <a:ext cx="6778625" cy="6838950"/>
           </a:xfrm>
           <a:prstGeom prst="rect">
             <a:avLst/>
@@ -3162,7 +3138,7 @@
         </p:nvSpPr>
         <p:spPr>
           <a:xfrm>
-            <a:off x="5163851" y="297"/>
+            <a:off x="4968906" y="297"/>
             <a:ext cx="1437769" cy="295910"/>
           </a:xfrm>
           <a:prstGeom prst="rect">
@@ -3197,14 +3173,14 @@
         </p:nvSpPr>
         <p:spPr>
           <a:xfrm>
-            <a:off x="4934585" y="39370"/>
+            <a:off x="4678045" y="38735"/>
             <a:ext cx="229235" cy="217805"/>
           </a:xfrm>
           <a:prstGeom prst="rect">
             <a:avLst/>
           </a:prstGeom>
           <a:solidFill>
-            <a:srgbClr val="4169A2"/>
+            <a:srgbClr val="4169E1"/>
           </a:solidFill>
           <a:ln>
             <a:noFill/>
@@ -3254,7 +3230,7 @@
       <p:grpSpPr/>
       <p:pic>
         <p:nvPicPr>
-          <p:cNvPr id="3" name="图片 2" descr="basic-tutorial_02"/>
+          <p:cNvPr id="2" name="图片 1" descr="basic-tutorial_02"/>
           <p:cNvPicPr>
             <a:picLocks noChangeAspect="1"/>
           </p:cNvPicPr>
@@ -3262,15 +3238,15 @@
         </p:nvPicPr>
         <p:blipFill>
           <a:blip r:embed="rId1"/>
-          <a:srcRect l="11096" t="20196" r="10899" b="20062"/>
+          <a:srcRect l="10154" t="20239" r="10166" b="19918"/>
           <a:stretch>
             <a:fillRect/>
           </a:stretch>
         </p:blipFill>
         <p:spPr>
           <a:xfrm>
-            <a:off x="120650" y="6350"/>
-            <a:ext cx="6957695" cy="6833235"/>
+            <a:off x="81280" y="0"/>
+            <a:ext cx="7037070" cy="6840220"/>
           </a:xfrm>
           <a:prstGeom prst="rect">
             <a:avLst/>
@@ -3297,7 +3273,7 @@
       <p:grpSpPr/>
       <p:pic>
         <p:nvPicPr>
-          <p:cNvPr id="3" name="图片 2" descr="basic-tutorial_06"/>
+          <p:cNvPr id="2" name="图片 1" descr="basic-tutorial_07"/>
           <p:cNvPicPr>
             <a:picLocks noChangeAspect="1"/>
           </p:cNvPicPr>
@@ -3305,15 +3281,15 @@
         </p:nvPicPr>
         <p:blipFill>
           <a:blip r:embed="rId1"/>
-          <a:srcRect l="11416" t="20057" r="11920" b="19913"/>
+          <a:srcRect l="10695" t="19731" r="12341" b="19639"/>
           <a:stretch>
             <a:fillRect/>
           </a:stretch>
         </p:blipFill>
         <p:spPr>
           <a:xfrm>
-            <a:off x="238760" y="0"/>
-            <a:ext cx="6722745" cy="6812915"/>
+            <a:off x="220345" y="635"/>
+            <a:ext cx="6707505" cy="6838950"/>
           </a:xfrm>
           <a:prstGeom prst="rect">
             <a:avLst/>
@@ -3328,8 +3304,8 @@
         </p:nvSpPr>
         <p:spPr>
           <a:xfrm>
-            <a:off x="5655341" y="932"/>
-            <a:ext cx="1437769" cy="295910"/>
+            <a:off x="3595370" y="314960"/>
+            <a:ext cx="1525905" cy="295910"/>
           </a:xfrm>
           <a:prstGeom prst="rect">
             <a:avLst/>
@@ -3346,7 +3322,7 @@
                 <a:latin typeface="Times New Roman" panose="02020603050405020304" charset="0"/>
                 <a:cs typeface="Times New Roman" panose="02020603050405020304" charset="0"/>
               </a:rPr>
-              <a:t>REACT result</a:t>
+              <a:t>REACT group</a:t>
             </a:r>
             <a:endParaRPr lang="en-US" altLang="zh-CN" sz="1330">
               <a:latin typeface="Times New Roman" panose="02020603050405020304" charset="0"/>
@@ -3363,7 +3339,7 @@
         </p:nvSpPr>
         <p:spPr>
           <a:xfrm>
-            <a:off x="5426075" y="635"/>
+            <a:off x="3289300" y="358775"/>
             <a:ext cx="229235" cy="207645"/>
           </a:xfrm>
           <a:prstGeom prst="rect">
@@ -3371,6 +3347,246 @@
           </a:prstGeom>
           <a:solidFill>
             <a:srgbClr val="FF0000"/>
+          </a:solidFill>
+          <a:ln>
+            <a:noFill/>
+          </a:ln>
+        </p:spPr>
+        <p:style>
+          <a:lnRef idx="2">
+            <a:schemeClr val="accent1">
+              <a:shade val="50000"/>
+            </a:schemeClr>
+          </a:lnRef>
+          <a:fillRef idx="1">
+            <a:schemeClr val="accent1"/>
+          </a:fillRef>
+          <a:effectRef idx="0">
+            <a:schemeClr val="accent1"/>
+          </a:effectRef>
+          <a:fontRef idx="minor">
+            <a:schemeClr val="lt1"/>
+          </a:fontRef>
+        </p:style>
+        <p:txBody>
+          <a:bodyPr rtlCol="0" anchor="ctr"/>
+          <a:p>
+            <a:pPr algn="ctr"/>
+            <a:endParaRPr lang="zh-CN" altLang="en-US" sz="1995"/>
+          </a:p>
+        </p:txBody>
+      </p:sp>
+      <p:sp>
+        <p:nvSpPr>
+          <p:cNvPr id="4" name="文本框 3"/>
+          <p:cNvSpPr txBox="1"/>
+          <p:nvPr/>
+        </p:nvSpPr>
+        <p:spPr>
+          <a:xfrm>
+            <a:off x="3595370" y="610870"/>
+            <a:ext cx="996315" cy="295910"/>
+          </a:xfrm>
+          <a:prstGeom prst="rect">
+            <a:avLst/>
+          </a:prstGeom>
+          <a:noFill/>
+        </p:spPr>
+        <p:txBody>
+          <a:bodyPr wrap="square" rtlCol="0">
+            <a:spAutoFit/>
+          </a:bodyPr>
+          <a:p>
+            <a:r>
+              <a:rPr lang="en-US" altLang="zh-CN" sz="1330">
+                <a:latin typeface="Times New Roman" panose="02020603050405020304" charset="0"/>
+                <a:cs typeface="Times New Roman" panose="02020603050405020304" charset="0"/>
+              </a:rPr>
+              <a:t>ONS</a:t>
+            </a:r>
+            <a:endParaRPr lang="en-US" altLang="zh-CN" sz="1330">
+              <a:latin typeface="Times New Roman" panose="02020603050405020304" charset="0"/>
+              <a:cs typeface="Times New Roman" panose="02020603050405020304" charset="0"/>
+            </a:endParaRPr>
+          </a:p>
+        </p:txBody>
+      </p:sp>
+      <p:sp>
+        <p:nvSpPr>
+          <p:cNvPr id="7" name="矩形 6"/>
+          <p:cNvSpPr/>
+          <p:nvPr/>
+        </p:nvSpPr>
+        <p:spPr>
+          <a:xfrm>
+            <a:off x="3289300" y="654685"/>
+            <a:ext cx="229235" cy="207645"/>
+          </a:xfrm>
+          <a:prstGeom prst="rect">
+            <a:avLst/>
+          </a:prstGeom>
+          <a:solidFill>
+            <a:srgbClr val="FFFF00"/>
+          </a:solidFill>
+          <a:ln>
+            <a:noFill/>
+          </a:ln>
+        </p:spPr>
+        <p:style>
+          <a:lnRef idx="2">
+            <a:schemeClr val="accent1">
+              <a:shade val="50000"/>
+            </a:schemeClr>
+          </a:lnRef>
+          <a:fillRef idx="1">
+            <a:schemeClr val="accent1"/>
+          </a:fillRef>
+          <a:effectRef idx="0">
+            <a:schemeClr val="accent1"/>
+          </a:effectRef>
+          <a:fontRef idx="minor">
+            <a:schemeClr val="lt1"/>
+          </a:fontRef>
+        </p:style>
+        <p:txBody>
+          <a:bodyPr rtlCol="0" anchor="ctr"/>
+          <a:p>
+            <a:pPr algn="ctr"/>
+            <a:endParaRPr lang="zh-CN" altLang="en-US" sz="1995"/>
+          </a:p>
+        </p:txBody>
+      </p:sp>
+      <p:sp>
+        <p:nvSpPr>
+          <p:cNvPr id="8" name="文本框 7"/>
+          <p:cNvSpPr txBox="1"/>
+          <p:nvPr/>
+        </p:nvSpPr>
+        <p:spPr>
+          <a:xfrm>
+            <a:off x="3595370" y="906780"/>
+            <a:ext cx="996315" cy="295910"/>
+          </a:xfrm>
+          <a:prstGeom prst="rect">
+            <a:avLst/>
+          </a:prstGeom>
+          <a:noFill/>
+        </p:spPr>
+        <p:txBody>
+          <a:bodyPr wrap="square" rtlCol="0">
+            <a:spAutoFit/>
+          </a:bodyPr>
+          <a:p>
+            <a:r>
+              <a:rPr lang="en-US" altLang="zh-CN" sz="1330">
+                <a:latin typeface="Times New Roman" panose="02020603050405020304" charset="0"/>
+                <a:cs typeface="Times New Roman" panose="02020603050405020304" charset="0"/>
+              </a:rPr>
+              <a:t>Oxford area</a:t>
+            </a:r>
+            <a:endParaRPr lang="en-US" altLang="zh-CN" sz="1330">
+              <a:latin typeface="Times New Roman" panose="02020603050405020304" charset="0"/>
+              <a:cs typeface="Times New Roman" panose="02020603050405020304" charset="0"/>
+            </a:endParaRPr>
+          </a:p>
+        </p:txBody>
+      </p:sp>
+      <p:sp>
+        <p:nvSpPr>
+          <p:cNvPr id="9" name="矩形 8"/>
+          <p:cNvSpPr/>
+          <p:nvPr/>
+        </p:nvSpPr>
+        <p:spPr>
+          <a:xfrm>
+            <a:off x="3289300" y="950595"/>
+            <a:ext cx="229235" cy="207645"/>
+          </a:xfrm>
+          <a:prstGeom prst="rect">
+            <a:avLst/>
+          </a:prstGeom>
+          <a:solidFill>
+            <a:srgbClr val="9D19F0"/>
+          </a:solidFill>
+          <a:ln>
+            <a:noFill/>
+          </a:ln>
+        </p:spPr>
+        <p:style>
+          <a:lnRef idx="2">
+            <a:schemeClr val="accent1">
+              <a:shade val="50000"/>
+            </a:schemeClr>
+          </a:lnRef>
+          <a:fillRef idx="1">
+            <a:schemeClr val="accent1"/>
+          </a:fillRef>
+          <a:effectRef idx="0">
+            <a:schemeClr val="accent1"/>
+          </a:effectRef>
+          <a:fontRef idx="minor">
+            <a:schemeClr val="lt1"/>
+          </a:fontRef>
+        </p:style>
+        <p:txBody>
+          <a:bodyPr rtlCol="0" anchor="ctr"/>
+          <a:p>
+            <a:pPr algn="ctr"/>
+            <a:endParaRPr lang="zh-CN" altLang="en-US" sz="1995"/>
+          </a:p>
+        </p:txBody>
+      </p:sp>
+      <p:sp>
+        <p:nvSpPr>
+          <p:cNvPr id="10" name="文本框 9"/>
+          <p:cNvSpPr txBox="1"/>
+          <p:nvPr/>
+        </p:nvSpPr>
+        <p:spPr>
+          <a:xfrm>
+            <a:off x="3595370" y="1202690"/>
+            <a:ext cx="1649095" cy="295910"/>
+          </a:xfrm>
+          <a:prstGeom prst="rect">
+            <a:avLst/>
+          </a:prstGeom>
+          <a:noFill/>
+        </p:spPr>
+        <p:txBody>
+          <a:bodyPr wrap="square" rtlCol="0">
+            <a:spAutoFit/>
+          </a:bodyPr>
+          <a:p>
+            <a:r>
+              <a:rPr lang="en-US" altLang="zh-CN" sz="1330">
+                <a:latin typeface="Times New Roman" panose="02020603050405020304" charset="0"/>
+                <a:cs typeface="Times New Roman" panose="02020603050405020304" charset="0"/>
+              </a:rPr>
+              <a:t>Great Glasgow area</a:t>
+            </a:r>
+            <a:endParaRPr lang="en-US" altLang="zh-CN" sz="1330">
+              <a:latin typeface="Times New Roman" panose="02020603050405020304" charset="0"/>
+              <a:cs typeface="Times New Roman" panose="02020603050405020304" charset="0"/>
+            </a:endParaRPr>
+          </a:p>
+        </p:txBody>
+      </p:sp>
+      <p:sp>
+        <p:nvSpPr>
+          <p:cNvPr id="11" name="矩形 10"/>
+          <p:cNvSpPr/>
+          <p:nvPr/>
+        </p:nvSpPr>
+        <p:spPr>
+          <a:xfrm>
+            <a:off x="3289300" y="1246505"/>
+            <a:ext cx="229235" cy="207645"/>
+          </a:xfrm>
+          <a:prstGeom prst="rect">
+            <a:avLst/>
+          </a:prstGeom>
+          <a:solidFill>
+            <a:srgbClr val="00FF00"/>
           </a:solidFill>
           <a:ln>
             <a:noFill/>
@@ -3420,7 +3636,7 @@
       <p:grpSpPr/>
       <p:pic>
         <p:nvPicPr>
-          <p:cNvPr id="2" name="图片 1" descr="basic-tutorial_07"/>
+          <p:cNvPr id="3" name="图片 2" descr="basic-tutorial_08"/>
           <p:cNvPicPr>
             <a:picLocks noChangeAspect="1"/>
           </p:cNvPicPr>
@@ -3428,15 +3644,15 @@
         </p:nvPicPr>
         <p:blipFill>
           <a:blip r:embed="rId1"/>
-          <a:srcRect l="9721" t="20028" r="11560" b="19909"/>
+          <a:srcRect l="11379" t="20085" r="13146" b="20020"/>
           <a:stretch>
             <a:fillRect/>
           </a:stretch>
         </p:blipFill>
         <p:spPr>
           <a:xfrm>
-            <a:off x="136525" y="-635"/>
-            <a:ext cx="6925945" cy="6840220"/>
+            <a:off x="193675" y="0"/>
+            <a:ext cx="6659245" cy="6839585"/>
           </a:xfrm>
           <a:prstGeom prst="rect">
             <a:avLst/>
@@ -3451,8 +3667,8 @@
         </p:nvSpPr>
         <p:spPr>
           <a:xfrm>
-            <a:off x="5655341" y="932"/>
-            <a:ext cx="1437769" cy="295910"/>
+            <a:off x="3595370" y="314960"/>
+            <a:ext cx="1525905" cy="295910"/>
           </a:xfrm>
           <a:prstGeom prst="rect">
             <a:avLst/>
@@ -3469,7 +3685,7 @@
                 <a:latin typeface="Times New Roman" panose="02020603050405020304" charset="0"/>
                 <a:cs typeface="Times New Roman" panose="02020603050405020304" charset="0"/>
               </a:rPr>
-              <a:t>REACT result</a:t>
+              <a:t>REACT group</a:t>
             </a:r>
             <a:endParaRPr lang="en-US" altLang="zh-CN" sz="1330">
               <a:latin typeface="Times New Roman" panose="02020603050405020304" charset="0"/>
@@ -3486,7 +3702,7 @@
         </p:nvSpPr>
         <p:spPr>
           <a:xfrm>
-            <a:off x="5426075" y="635"/>
+            <a:off x="3289300" y="358775"/>
             <a:ext cx="229235" cy="207645"/>
           </a:xfrm>
           <a:prstGeom prst="rect">
@@ -3494,6 +3710,246 @@
           </a:prstGeom>
           <a:solidFill>
             <a:srgbClr val="FF0000"/>
+          </a:solidFill>
+          <a:ln>
+            <a:noFill/>
+          </a:ln>
+        </p:spPr>
+        <p:style>
+          <a:lnRef idx="2">
+            <a:schemeClr val="accent1">
+              <a:shade val="50000"/>
+            </a:schemeClr>
+          </a:lnRef>
+          <a:fillRef idx="1">
+            <a:schemeClr val="accent1"/>
+          </a:fillRef>
+          <a:effectRef idx="0">
+            <a:schemeClr val="accent1"/>
+          </a:effectRef>
+          <a:fontRef idx="minor">
+            <a:schemeClr val="lt1"/>
+          </a:fontRef>
+        </p:style>
+        <p:txBody>
+          <a:bodyPr rtlCol="0" anchor="ctr"/>
+          <a:p>
+            <a:pPr algn="ctr"/>
+            <a:endParaRPr lang="zh-CN" altLang="en-US" sz="1995"/>
+          </a:p>
+        </p:txBody>
+      </p:sp>
+      <p:sp>
+        <p:nvSpPr>
+          <p:cNvPr id="4" name="文本框 3"/>
+          <p:cNvSpPr txBox="1"/>
+          <p:nvPr/>
+        </p:nvSpPr>
+        <p:spPr>
+          <a:xfrm>
+            <a:off x="3595370" y="610870"/>
+            <a:ext cx="996315" cy="295910"/>
+          </a:xfrm>
+          <a:prstGeom prst="rect">
+            <a:avLst/>
+          </a:prstGeom>
+          <a:noFill/>
+        </p:spPr>
+        <p:txBody>
+          <a:bodyPr wrap="square" rtlCol="0">
+            <a:spAutoFit/>
+          </a:bodyPr>
+          <a:p>
+            <a:r>
+              <a:rPr lang="en-US" altLang="zh-CN" sz="1330">
+                <a:latin typeface="Times New Roman" panose="02020603050405020304" charset="0"/>
+                <a:cs typeface="Times New Roman" panose="02020603050405020304" charset="0"/>
+              </a:rPr>
+              <a:t>ONS</a:t>
+            </a:r>
+            <a:endParaRPr lang="en-US" altLang="zh-CN" sz="1330">
+              <a:latin typeface="Times New Roman" panose="02020603050405020304" charset="0"/>
+              <a:cs typeface="Times New Roman" panose="02020603050405020304" charset="0"/>
+            </a:endParaRPr>
+          </a:p>
+        </p:txBody>
+      </p:sp>
+      <p:sp>
+        <p:nvSpPr>
+          <p:cNvPr id="7" name="矩形 6"/>
+          <p:cNvSpPr/>
+          <p:nvPr/>
+        </p:nvSpPr>
+        <p:spPr>
+          <a:xfrm>
+            <a:off x="3289300" y="654685"/>
+            <a:ext cx="229235" cy="207645"/>
+          </a:xfrm>
+          <a:prstGeom prst="rect">
+            <a:avLst/>
+          </a:prstGeom>
+          <a:solidFill>
+            <a:srgbClr val="FFFF00"/>
+          </a:solidFill>
+          <a:ln>
+            <a:noFill/>
+          </a:ln>
+        </p:spPr>
+        <p:style>
+          <a:lnRef idx="2">
+            <a:schemeClr val="accent1">
+              <a:shade val="50000"/>
+            </a:schemeClr>
+          </a:lnRef>
+          <a:fillRef idx="1">
+            <a:schemeClr val="accent1"/>
+          </a:fillRef>
+          <a:effectRef idx="0">
+            <a:schemeClr val="accent1"/>
+          </a:effectRef>
+          <a:fontRef idx="minor">
+            <a:schemeClr val="lt1"/>
+          </a:fontRef>
+        </p:style>
+        <p:txBody>
+          <a:bodyPr rtlCol="0" anchor="ctr"/>
+          <a:p>
+            <a:pPr algn="ctr"/>
+            <a:endParaRPr lang="zh-CN" altLang="en-US" sz="1995"/>
+          </a:p>
+        </p:txBody>
+      </p:sp>
+      <p:sp>
+        <p:nvSpPr>
+          <p:cNvPr id="8" name="文本框 7"/>
+          <p:cNvSpPr txBox="1"/>
+          <p:nvPr/>
+        </p:nvSpPr>
+        <p:spPr>
+          <a:xfrm>
+            <a:off x="3595370" y="906780"/>
+            <a:ext cx="996315" cy="295910"/>
+          </a:xfrm>
+          <a:prstGeom prst="rect">
+            <a:avLst/>
+          </a:prstGeom>
+          <a:noFill/>
+        </p:spPr>
+        <p:txBody>
+          <a:bodyPr wrap="square" rtlCol="0">
+            <a:spAutoFit/>
+          </a:bodyPr>
+          <a:p>
+            <a:r>
+              <a:rPr lang="en-US" altLang="zh-CN" sz="1330">
+                <a:latin typeface="Times New Roman" panose="02020603050405020304" charset="0"/>
+                <a:cs typeface="Times New Roman" panose="02020603050405020304" charset="0"/>
+              </a:rPr>
+              <a:t>Oxford area</a:t>
+            </a:r>
+            <a:endParaRPr lang="en-US" altLang="zh-CN" sz="1330">
+              <a:latin typeface="Times New Roman" panose="02020603050405020304" charset="0"/>
+              <a:cs typeface="Times New Roman" panose="02020603050405020304" charset="0"/>
+            </a:endParaRPr>
+          </a:p>
+        </p:txBody>
+      </p:sp>
+      <p:sp>
+        <p:nvSpPr>
+          <p:cNvPr id="9" name="矩形 8"/>
+          <p:cNvSpPr/>
+          <p:nvPr/>
+        </p:nvSpPr>
+        <p:spPr>
+          <a:xfrm>
+            <a:off x="3289300" y="950595"/>
+            <a:ext cx="229235" cy="207645"/>
+          </a:xfrm>
+          <a:prstGeom prst="rect">
+            <a:avLst/>
+          </a:prstGeom>
+          <a:solidFill>
+            <a:srgbClr val="9D19F0"/>
+          </a:solidFill>
+          <a:ln>
+            <a:noFill/>
+          </a:ln>
+        </p:spPr>
+        <p:style>
+          <a:lnRef idx="2">
+            <a:schemeClr val="accent1">
+              <a:shade val="50000"/>
+            </a:schemeClr>
+          </a:lnRef>
+          <a:fillRef idx="1">
+            <a:schemeClr val="accent1"/>
+          </a:fillRef>
+          <a:effectRef idx="0">
+            <a:schemeClr val="accent1"/>
+          </a:effectRef>
+          <a:fontRef idx="minor">
+            <a:schemeClr val="lt1"/>
+          </a:fontRef>
+        </p:style>
+        <p:txBody>
+          <a:bodyPr rtlCol="0" anchor="ctr"/>
+          <a:p>
+            <a:pPr algn="ctr"/>
+            <a:endParaRPr lang="zh-CN" altLang="en-US" sz="1995"/>
+          </a:p>
+        </p:txBody>
+      </p:sp>
+      <p:sp>
+        <p:nvSpPr>
+          <p:cNvPr id="10" name="文本框 9"/>
+          <p:cNvSpPr txBox="1"/>
+          <p:nvPr/>
+        </p:nvSpPr>
+        <p:spPr>
+          <a:xfrm>
+            <a:off x="3595370" y="1202690"/>
+            <a:ext cx="1649095" cy="295910"/>
+          </a:xfrm>
+          <a:prstGeom prst="rect">
+            <a:avLst/>
+          </a:prstGeom>
+          <a:noFill/>
+        </p:spPr>
+        <p:txBody>
+          <a:bodyPr wrap="square" rtlCol="0">
+            <a:spAutoFit/>
+          </a:bodyPr>
+          <a:p>
+            <a:r>
+              <a:rPr lang="en-US" altLang="zh-CN" sz="1330">
+                <a:latin typeface="Times New Roman" panose="02020603050405020304" charset="0"/>
+                <a:cs typeface="Times New Roman" panose="02020603050405020304" charset="0"/>
+              </a:rPr>
+              <a:t>Great Glasgow area</a:t>
+            </a:r>
+            <a:endParaRPr lang="en-US" altLang="zh-CN" sz="1330">
+              <a:latin typeface="Times New Roman" panose="02020603050405020304" charset="0"/>
+              <a:cs typeface="Times New Roman" panose="02020603050405020304" charset="0"/>
+            </a:endParaRPr>
+          </a:p>
+        </p:txBody>
+      </p:sp>
+      <p:sp>
+        <p:nvSpPr>
+          <p:cNvPr id="11" name="矩形 10"/>
+          <p:cNvSpPr/>
+          <p:nvPr/>
+        </p:nvSpPr>
+        <p:spPr>
+          <a:xfrm>
+            <a:off x="3289300" y="1246505"/>
+            <a:ext cx="229235" cy="207645"/>
+          </a:xfrm>
+          <a:prstGeom prst="rect">
+            <a:avLst/>
+          </a:prstGeom>
+          <a:solidFill>
+            <a:srgbClr val="00FF00"/>
           </a:solidFill>
           <a:ln>
             <a:noFill/>
